--- a/Power point presentation.pptx
+++ b/Power point presentation.pptx
@@ -5,15 +5,15 @@
     <p:sldMasterId id="2147483659" r:id="rId1"/>
   </p:sldMasterIdLst>
   <p:notesMasterIdLst>
-    <p:notesMasterId r:id="rId30"/>
+    <p:notesMasterId r:id="rId29"/>
   </p:notesMasterIdLst>
   <p:sldIdLst>
     <p:sldId id="257" r:id="rId2"/>
     <p:sldId id="259" r:id="rId3"/>
-    <p:sldId id="269" r:id="rId4"/>
+    <p:sldId id="261" r:id="rId4"/>
     <p:sldId id="270" r:id="rId5"/>
     <p:sldId id="271" r:id="rId6"/>
-    <p:sldId id="261" r:id="rId7"/>
+    <p:sldId id="285" r:id="rId7"/>
     <p:sldId id="268" r:id="rId8"/>
     <p:sldId id="272" r:id="rId9"/>
     <p:sldId id="260" r:id="rId10"/>
@@ -33,31 +33,30 @@
     <p:sldId id="279" r:id="rId24"/>
     <p:sldId id="284" r:id="rId25"/>
     <p:sldId id="264" r:id="rId26"/>
-    <p:sldId id="265" r:id="rId27"/>
-    <p:sldId id="266" r:id="rId28"/>
-    <p:sldId id="267" r:id="rId29"/>
+    <p:sldId id="266" r:id="rId27"/>
+    <p:sldId id="267" r:id="rId28"/>
   </p:sldIdLst>
   <p:sldSz cx="9144000" cy="5143500" type="screen16x9"/>
   <p:notesSz cx="6858000" cy="9144000"/>
   <p:embeddedFontLst>
     <p:embeddedFont>
       <p:font typeface="Amiko" panose="020B0604020202020204" charset="0"/>
-      <p:regular r:id="rId31"/>
-      <p:bold r:id="rId32"/>
+      <p:regular r:id="rId30"/>
+      <p:bold r:id="rId31"/>
     </p:embeddedFont>
     <p:embeddedFont>
       <p:font typeface="Calibri" panose="020F0502020204030204" pitchFamily="34" charset="0"/>
-      <p:regular r:id="rId33"/>
-      <p:bold r:id="rId34"/>
-      <p:italic r:id="rId35"/>
-      <p:boldItalic r:id="rId36"/>
+      <p:regular r:id="rId32"/>
+      <p:bold r:id="rId33"/>
+      <p:italic r:id="rId34"/>
+      <p:boldItalic r:id="rId35"/>
     </p:embeddedFont>
     <p:embeddedFont>
       <p:font typeface="Consolas" panose="020B0609020204030204" pitchFamily="49" charset="0"/>
-      <p:regular r:id="rId37"/>
-      <p:bold r:id="rId38"/>
-      <p:italic r:id="rId39"/>
-      <p:boldItalic r:id="rId40"/>
+      <p:regular r:id="rId36"/>
+      <p:bold r:id="rId37"/>
+      <p:italic r:id="rId38"/>
+      <p:boldItalic r:id="rId39"/>
     </p:embeddedFont>
   </p:embeddedFontLst>
   <p:defaultTextStyle>
@@ -1014,7 +1013,7 @@
   <p:cSld>
     <p:spTree>
       <p:nvGrpSpPr>
-        <p:cNvPr id="1" name="Shape 145"/>
+        <p:cNvPr id="1" name="Shape 138"/>
         <p:cNvGrpSpPr/>
         <p:nvPr/>
       </p:nvGrpSpPr>
@@ -1028,7 +1027,7 @@
       </p:grpSpPr>
       <p:sp>
         <p:nvSpPr>
-          <p:cNvPr id="146" name="Google Shape;146;p7:notes"/>
+          <p:cNvPr id="139" name="Google Shape;139;g2c7a1e21898_0_15:notes"/>
           <p:cNvSpPr txBox="1">
             <a:spLocks noGrp="1"/>
           </p:cNvSpPr>
@@ -1074,7 +1073,7 @@
       </p:sp>
       <p:sp>
         <p:nvSpPr>
-          <p:cNvPr id="147" name="Google Shape;147;p7:notes"/>
+          <p:cNvPr id="140" name="Google Shape;140;g2c7a1e21898_0_15:notes"/>
           <p:cNvSpPr>
             <a:spLocks noGrp="1" noRot="1" noChangeAspect="1"/>
           </p:cNvSpPr>
@@ -1736,6 +1735,133 @@
     </p:spTree>
     <p:extLst>
       <p:ext uri="{BB962C8B-B14F-4D97-AF65-F5344CB8AC3E}">
+        <p14:creationId xmlns:p14="http://schemas.microsoft.com/office/powerpoint/2010/main" val="1610894085"/>
+      </p:ext>
+    </p:extLst>
+  </p:cSld>
+  <p:clrMapOvr>
+    <a:masterClrMapping/>
+  </p:clrMapOvr>
+</p:notes>
+</file>
+
+<file path=ppt/notesSlides/notesSlide5.xml><?xml version="1.0" encoding="utf-8"?>
+<p:notes xmlns:a="http://schemas.openxmlformats.org/drawingml/2006/main" xmlns:r="http://schemas.openxmlformats.org/officeDocument/2006/relationships" xmlns:p="http://schemas.openxmlformats.org/presentationml/2006/main" showMasterSp="0" showMasterPhAnim="0">
+  <p:cSld>
+    <p:spTree>
+      <p:nvGrpSpPr>
+        <p:cNvPr id="1" name="Shape 118"/>
+        <p:cNvGrpSpPr/>
+        <p:nvPr/>
+      </p:nvGrpSpPr>
+      <p:grpSpPr>
+        <a:xfrm>
+          <a:off x="0" y="0"/>
+          <a:ext cx="0" cy="0"/>
+          <a:chOff x="0" y="0"/>
+          <a:chExt cx="0" cy="0"/>
+        </a:xfrm>
+      </p:grpSpPr>
+      <p:sp>
+        <p:nvSpPr>
+          <p:cNvPr id="119" name="Google Shape;119;g2c7a1e21898_0_3:notes"/>
+          <p:cNvSpPr txBox="1">
+            <a:spLocks noGrp="1"/>
+          </p:cNvSpPr>
+          <p:nvPr>
+            <p:ph type="body" idx="1"/>
+          </p:nvPr>
+        </p:nvSpPr>
+        <p:spPr>
+          <a:xfrm>
+            <a:off x="685800" y="4343400"/>
+            <a:ext cx="5486400" cy="4114800"/>
+          </a:xfrm>
+          <a:prstGeom prst="rect">
+            <a:avLst/>
+          </a:prstGeom>
+          <a:noFill/>
+          <a:ln>
+            <a:noFill/>
+          </a:ln>
+        </p:spPr>
+        <p:txBody>
+          <a:bodyPr spcFirstLastPara="1" wrap="square" lIns="91425" tIns="91425" rIns="91425" bIns="91425" anchor="t" anchorCtr="0">
+            <a:noAutofit/>
+          </a:bodyPr>
+          <a:lstStyle/>
+          <a:p>
+            <a:pPr marL="0" lvl="0" indent="0" algn="l" rtl="0">
+              <a:lnSpc>
+                <a:spcPct val="100000"/>
+              </a:lnSpc>
+              <a:spcBef>
+                <a:spcPts val="0"/>
+              </a:spcBef>
+              <a:spcAft>
+                <a:spcPts val="0"/>
+              </a:spcAft>
+              <a:buSzPts val="1100"/>
+              <a:buNone/>
+            </a:pPr>
+            <a:endParaRPr/>
+          </a:p>
+        </p:txBody>
+      </p:sp>
+      <p:sp>
+        <p:nvSpPr>
+          <p:cNvPr id="120" name="Google Shape;120;g2c7a1e21898_0_3:notes"/>
+          <p:cNvSpPr>
+            <a:spLocks noGrp="1" noRot="1" noChangeAspect="1"/>
+          </p:cNvSpPr>
+          <p:nvPr>
+            <p:ph type="sldImg" idx="2"/>
+          </p:nvPr>
+        </p:nvSpPr>
+        <p:spPr>
+          <a:xfrm>
+            <a:off x="381000" y="685800"/>
+            <a:ext cx="6096000" cy="3429000"/>
+          </a:xfrm>
+          <a:custGeom>
+            <a:avLst/>
+            <a:gdLst/>
+            <a:ahLst/>
+            <a:cxnLst/>
+            <a:rect l="l" t="t" r="r" b="b"/>
+            <a:pathLst>
+              <a:path w="120000" h="120000" extrusionOk="0">
+                <a:moveTo>
+                  <a:pt x="0" y="0"/>
+                </a:moveTo>
+                <a:lnTo>
+                  <a:pt x="120000" y="0"/>
+                </a:lnTo>
+                <a:lnTo>
+                  <a:pt x="120000" y="120000"/>
+                </a:lnTo>
+                <a:lnTo>
+                  <a:pt x="0" y="120000"/>
+                </a:lnTo>
+                <a:close/>
+              </a:path>
+            </a:pathLst>
+          </a:custGeom>
+          <a:noFill/>
+          <a:ln w="9525" cap="flat" cmpd="sng">
+            <a:solidFill>
+              <a:srgbClr val="000000"/>
+            </a:solidFill>
+            <a:prstDash val="solid"/>
+            <a:round/>
+            <a:headEnd type="none" w="sm" len="sm"/>
+            <a:tailEnd type="none" w="sm" len="sm"/>
+          </a:ln>
+        </p:spPr>
+      </p:sp>
+    </p:spTree>
+    <p:extLst>
+      <p:ext uri="{BB962C8B-B14F-4D97-AF65-F5344CB8AC3E}">
         <p14:creationId xmlns:p14="http://schemas.microsoft.com/office/powerpoint/2010/main" val="3741693299"/>
       </p:ext>
     </p:extLst>
@@ -1746,7 +1872,7 @@
 </p:notes>
 </file>
 
-<file path=ppt/notesSlides/notesSlide5.xml><?xml version="1.0" encoding="utf-8"?>
+<file path=ppt/notesSlides/notesSlide6.xml><?xml version="1.0" encoding="utf-8"?>
 <p:notes xmlns:a="http://schemas.openxmlformats.org/drawingml/2006/main" xmlns:r="http://schemas.openxmlformats.org/officeDocument/2006/relationships" xmlns:p="http://schemas.openxmlformats.org/presentationml/2006/main" showMasterSp="0" showMasterPhAnim="0">
   <p:cSld>
     <p:spTree>
@@ -1868,7 +1994,7 @@
 </p:notes>
 </file>
 
-<file path=ppt/notesSlides/notesSlide6.xml><?xml version="1.0" encoding="utf-8"?>
+<file path=ppt/notesSlides/notesSlide7.xml><?xml version="1.0" encoding="utf-8"?>
 <p:notes xmlns:a="http://schemas.openxmlformats.org/drawingml/2006/main" xmlns:r="http://schemas.openxmlformats.org/officeDocument/2006/relationships" xmlns:p="http://schemas.openxmlformats.org/presentationml/2006/main" showMasterSp="0" showMasterPhAnim="0">
   <p:cSld>
     <p:spTree>
@@ -1990,7 +2116,7 @@
 </p:notes>
 </file>
 
-<file path=ppt/notesSlides/notesSlide7.xml><?xml version="1.0" encoding="utf-8"?>
+<file path=ppt/notesSlides/notesSlide8.xml><?xml version="1.0" encoding="utf-8"?>
 <p:notes xmlns:a="http://schemas.openxmlformats.org/drawingml/2006/main" xmlns:r="http://schemas.openxmlformats.org/officeDocument/2006/relationships" xmlns:p="http://schemas.openxmlformats.org/presentationml/2006/main" showMasterSp="0" showMasterPhAnim="0">
   <p:cSld>
     <p:spTree>
@@ -2112,7 +2238,7 @@
 </p:notes>
 </file>
 
-<file path=ppt/notesSlides/notesSlide8.xml><?xml version="1.0" encoding="utf-8"?>
+<file path=ppt/notesSlides/notesSlide9.xml><?xml version="1.0" encoding="utf-8"?>
 <p:notes xmlns:a="http://schemas.openxmlformats.org/drawingml/2006/main" xmlns:r="http://schemas.openxmlformats.org/officeDocument/2006/relationships" xmlns:p="http://schemas.openxmlformats.org/presentationml/2006/main" showMasterSp="0" showMasterPhAnim="0">
   <p:cSld>
     <p:spTree>
@@ -2178,128 +2304,6 @@
       <p:sp>
         <p:nvSpPr>
           <p:cNvPr id="134" name="Google Shape;134;p6:notes"/>
-          <p:cNvSpPr>
-            <a:spLocks noGrp="1" noRot="1" noChangeAspect="1"/>
-          </p:cNvSpPr>
-          <p:nvPr>
-            <p:ph type="sldImg" idx="2"/>
-          </p:nvPr>
-        </p:nvSpPr>
-        <p:spPr>
-          <a:xfrm>
-            <a:off x="381000" y="685800"/>
-            <a:ext cx="6096000" cy="3429000"/>
-          </a:xfrm>
-          <a:custGeom>
-            <a:avLst/>
-            <a:gdLst/>
-            <a:ahLst/>
-            <a:cxnLst/>
-            <a:rect l="l" t="t" r="r" b="b"/>
-            <a:pathLst>
-              <a:path w="120000" h="120000" extrusionOk="0">
-                <a:moveTo>
-                  <a:pt x="0" y="0"/>
-                </a:moveTo>
-                <a:lnTo>
-                  <a:pt x="120000" y="0"/>
-                </a:lnTo>
-                <a:lnTo>
-                  <a:pt x="120000" y="120000"/>
-                </a:lnTo>
-                <a:lnTo>
-                  <a:pt x="0" y="120000"/>
-                </a:lnTo>
-                <a:close/>
-              </a:path>
-            </a:pathLst>
-          </a:custGeom>
-          <a:noFill/>
-          <a:ln w="9525" cap="flat" cmpd="sng">
-            <a:solidFill>
-              <a:srgbClr val="000000"/>
-            </a:solidFill>
-            <a:prstDash val="solid"/>
-            <a:round/>
-            <a:headEnd type="none" w="sm" len="sm"/>
-            <a:tailEnd type="none" w="sm" len="sm"/>
-          </a:ln>
-        </p:spPr>
-      </p:sp>
-    </p:spTree>
-  </p:cSld>
-  <p:clrMapOvr>
-    <a:masterClrMapping/>
-  </p:clrMapOvr>
-</p:notes>
-</file>
-
-<file path=ppt/notesSlides/notesSlide9.xml><?xml version="1.0" encoding="utf-8"?>
-<p:notes xmlns:a="http://schemas.openxmlformats.org/drawingml/2006/main" xmlns:r="http://schemas.openxmlformats.org/officeDocument/2006/relationships" xmlns:p="http://schemas.openxmlformats.org/presentationml/2006/main" showMasterSp="0" showMasterPhAnim="0">
-  <p:cSld>
-    <p:spTree>
-      <p:nvGrpSpPr>
-        <p:cNvPr id="1" name="Shape 138"/>
-        <p:cNvGrpSpPr/>
-        <p:nvPr/>
-      </p:nvGrpSpPr>
-      <p:grpSpPr>
-        <a:xfrm>
-          <a:off x="0" y="0"/>
-          <a:ext cx="0" cy="0"/>
-          <a:chOff x="0" y="0"/>
-          <a:chExt cx="0" cy="0"/>
-        </a:xfrm>
-      </p:grpSpPr>
-      <p:sp>
-        <p:nvSpPr>
-          <p:cNvPr id="139" name="Google Shape;139;g2c7a1e21898_0_15:notes"/>
-          <p:cNvSpPr txBox="1">
-            <a:spLocks noGrp="1"/>
-          </p:cNvSpPr>
-          <p:nvPr>
-            <p:ph type="body" idx="1"/>
-          </p:nvPr>
-        </p:nvSpPr>
-        <p:spPr>
-          <a:xfrm>
-            <a:off x="685800" y="4343400"/>
-            <a:ext cx="5486400" cy="4114800"/>
-          </a:xfrm>
-          <a:prstGeom prst="rect">
-            <a:avLst/>
-          </a:prstGeom>
-          <a:noFill/>
-          <a:ln>
-            <a:noFill/>
-          </a:ln>
-        </p:spPr>
-        <p:txBody>
-          <a:bodyPr spcFirstLastPara="1" wrap="square" lIns="91425" tIns="91425" rIns="91425" bIns="91425" anchor="t" anchorCtr="0">
-            <a:noAutofit/>
-          </a:bodyPr>
-          <a:lstStyle/>
-          <a:p>
-            <a:pPr marL="0" lvl="0" indent="0" algn="l" rtl="0">
-              <a:lnSpc>
-                <a:spcPct val="100000"/>
-              </a:lnSpc>
-              <a:spcBef>
-                <a:spcPts val="0"/>
-              </a:spcBef>
-              <a:spcAft>
-                <a:spcPts val="0"/>
-              </a:spcAft>
-              <a:buSzPts val="1100"/>
-              <a:buNone/>
-            </a:pPr>
-            <a:endParaRPr/>
-          </a:p>
-        </p:txBody>
-      </p:sp>
-      <p:sp>
-        <p:nvSpPr>
-          <p:cNvPr id="140" name="Google Shape;140;g2c7a1e21898_0_15:notes"/>
           <p:cNvSpPr>
             <a:spLocks noGrp="1" noRot="1" noChangeAspect="1"/>
           </p:cNvSpPr>
@@ -15195,7 +15199,7 @@
         <p:spPr>
           <a:xfrm>
             <a:off x="449579" y="615162"/>
-            <a:ext cx="6894741" cy="2531432"/>
+            <a:ext cx="8583761" cy="3762538"/>
           </a:xfrm>
           <a:prstGeom prst="rect">
             <a:avLst/>
@@ -15238,7 +15242,7 @@
                 <a:cs typeface="Calibri"/>
                 <a:sym typeface="Calibri"/>
               </a:rPr>
-              <a:t>CUSTOMER PERFORMNACE</a:t>
+              <a:t>Analysis on CUSTOMER PERFORMNACE</a:t>
             </a:r>
             <a:endParaRPr sz="8000" b="1" i="0" u="none" strike="noStrike" cap="none" dirty="0">
               <a:solidFill>
@@ -16860,7 +16864,7 @@
         <p:spPr>
           <a:xfrm>
             <a:off x="283780" y="0"/>
-            <a:ext cx="8597462" cy="307777"/>
+            <a:ext cx="8597462" cy="369332"/>
           </a:xfrm>
           <a:prstGeom prst="rect">
             <a:avLst/>
@@ -16874,8 +16878,12 @@
           <a:lstStyle/>
           <a:p>
             <a:r>
-              <a:rPr lang="en-US" dirty="0"/>
-              <a:t>ANSWERING REAL WORLD QUESTIONS </a:t>
+              <a:rPr lang="en-US" sz="1800" b="1" dirty="0">
+                <a:solidFill>
+                  <a:srgbClr val="00B0F0"/>
+                </a:solidFill>
+              </a:rPr>
+              <a:t>8.ANSWERING REAL WORLD QUESTIONS </a:t>
             </a:r>
           </a:p>
         </p:txBody>
@@ -16897,7 +16905,7 @@
         </p:blipFill>
         <p:spPr bwMode="auto">
           <a:xfrm>
-            <a:off x="152401" y="266246"/>
+            <a:off x="157843" y="563281"/>
             <a:ext cx="8828313" cy="4877254"/>
           </a:xfrm>
           <a:prstGeom prst="rect">
@@ -16935,7 +16943,7 @@
         </p:blipFill>
         <p:spPr>
           <a:xfrm>
-            <a:off x="104742" y="266246"/>
+            <a:off x="104741" y="481740"/>
             <a:ext cx="8934515" cy="4877254"/>
           </a:xfrm>
           <a:prstGeom prst="rect">
@@ -17459,7 +17467,7 @@
         </p:nvSpPr>
         <p:spPr>
           <a:xfrm>
-            <a:off x="1946690" y="1280891"/>
+            <a:off x="1993283" y="2571750"/>
             <a:ext cx="7073461" cy="1223382"/>
           </a:xfrm>
           <a:prstGeom prst="rect">
@@ -17572,8 +17580,8 @@
         </p:nvSpPr>
         <p:spPr>
           <a:xfrm>
-            <a:off x="2806261" y="2504273"/>
-            <a:ext cx="5465379" cy="307777"/>
+            <a:off x="2526699" y="558989"/>
+            <a:ext cx="5465379" cy="523220"/>
           </a:xfrm>
           <a:prstGeom prst="rect">
             <a:avLst/>
@@ -17587,8 +17595,12 @@
           <a:lstStyle/>
           <a:p>
             <a:r>
-              <a:rPr lang="en-US" dirty="0"/>
-              <a:t>OVER VIEW OF WORK</a:t>
+              <a:rPr lang="en-US" sz="2800" b="1" dirty="0">
+                <a:solidFill>
+                  <a:srgbClr val="00B0F0"/>
+                </a:solidFill>
+              </a:rPr>
+              <a:t>1.OVER VIEW OF WORK</a:t>
             </a:r>
           </a:p>
         </p:txBody>
@@ -18235,7 +18247,7 @@
         </p:nvSpPr>
         <p:spPr>
           <a:xfrm>
-            <a:off x="0" y="0"/>
+            <a:off x="0" y="384397"/>
             <a:ext cx="9144000" cy="5143500"/>
           </a:xfrm>
           <a:prstGeom prst="rect">
@@ -18271,7 +18283,7 @@
               <a:buFont typeface="Arial"/>
               <a:buNone/>
             </a:pPr>
-            <a:endParaRPr sz="1400" b="0" i="0" u="none" strike="noStrike" cap="none">
+            <a:endParaRPr sz="1400" b="0" i="0" u="none" strike="noStrike" cap="none" dirty="0">
               <a:solidFill>
                 <a:schemeClr val="lt1"/>
               </a:solidFill>
@@ -18291,8 +18303,8 @@
         </p:nvSpPr>
         <p:spPr>
           <a:xfrm>
-            <a:off x="419100" y="3152622"/>
-            <a:ext cx="1379400" cy="1223700"/>
+            <a:off x="419100" y="840606"/>
+            <a:ext cx="5847743" cy="1223382"/>
           </a:xfrm>
           <a:prstGeom prst="rect">
             <a:avLst/>
@@ -18335,21 +18347,9 @@
                 <a:cs typeface="Calibri"/>
                 <a:sym typeface="Calibri"/>
               </a:rPr>
-              <a:t>0</a:t>
+              <a:t>Group 2</a:t>
             </a:r>
-            <a:r>
-              <a:rPr lang="en-US" sz="7500" b="1" dirty="0">
-                <a:solidFill>
-                  <a:srgbClr val="FFFFFF"/>
-                </a:solidFill>
-                <a:latin typeface="Calibri"/>
-                <a:ea typeface="Calibri"/>
-                <a:cs typeface="Calibri"/>
-                <a:sym typeface="Calibri"/>
-              </a:rPr>
-              <a:t>4</a:t>
-            </a:r>
-            <a:endParaRPr sz="7500" b="1" i="0" u="none" strike="noStrike" cap="none">
+            <a:endParaRPr lang="en-GB" sz="7500" b="1" i="0" u="none" strike="noStrike" cap="none" dirty="0">
               <a:solidFill>
                 <a:srgbClr val="FFFFFF"/>
               </a:solidFill>
@@ -18369,8 +18369,8 @@
         </p:nvSpPr>
         <p:spPr>
           <a:xfrm>
-            <a:off x="419100" y="4127975"/>
-            <a:ext cx="8360700" cy="823500"/>
+            <a:off x="256022" y="2454959"/>
+            <a:ext cx="8360700" cy="2122089"/>
           </a:xfrm>
           <a:prstGeom prst="rect">
             <a:avLst/>
@@ -18386,38 +18386,177 @@
           </a:bodyPr>
           <a:lstStyle/>
           <a:p>
-            <a:pPr marL="0" marR="0" lvl="0" indent="0" algn="l" rtl="0">
-              <a:lnSpc>
-                <a:spcPct val="100000"/>
-              </a:lnSpc>
-              <a:spcBef>
-                <a:spcPts val="0"/>
-              </a:spcBef>
-              <a:spcAft>
-                <a:spcPts val="0"/>
-              </a:spcAft>
-              <a:buClr>
-                <a:srgbClr val="000000"/>
-              </a:buClr>
-              <a:buSzPts val="4900"/>
-              <a:buFont typeface="Arial"/>
-              <a:buNone/>
+            <a:pPr marL="171450" lvl="0" indent="-171450" algn="l" rtl="0">
+              <a:lnSpc>
+                <a:spcPct val="115000"/>
+              </a:lnSpc>
+              <a:spcBef>
+                <a:spcPts val="0"/>
+              </a:spcBef>
+              <a:spcAft>
+                <a:spcPts val="0"/>
+              </a:spcAft>
+              <a:buClr>
+                <a:schemeClr val="dk1"/>
+              </a:buClr>
+              <a:buSzPts val="1100"/>
+              <a:buFontTx/>
+              <a:buChar char="-"/>
             </a:pPr>
             <a:r>
-              <a:rPr lang="en-US" sz="4900" b="1">
-                <a:solidFill>
-                  <a:srgbClr val="FFFFFF"/>
+              <a:rPr lang="en-US" sz="1400" dirty="0" err="1">
+                <a:solidFill>
+                  <a:schemeClr val="bg1"/>
+                </a:solidFill>
+              </a:rPr>
+              <a:t>Safeh</a:t>
+            </a:r>
+            <a:r>
+              <a:rPr lang="en-US" sz="1400" dirty="0">
+                <a:solidFill>
+                  <a:schemeClr val="bg1"/>
+                </a:solidFill>
+              </a:rPr>
+              <a:t> </a:t>
+            </a:r>
+            <a:r>
+              <a:rPr lang="en-US" sz="1400" dirty="0" err="1">
+                <a:solidFill>
+                  <a:schemeClr val="bg1"/>
+                </a:solidFill>
+              </a:rPr>
+              <a:t>Emmanuela</a:t>
+            </a:r>
+            <a:r>
+              <a:rPr lang="en-US" sz="1400" dirty="0">
+                <a:solidFill>
+                  <a:schemeClr val="bg1"/>
+                </a:solidFill>
+              </a:rPr>
+              <a:t> </a:t>
+            </a:r>
+            <a:r>
+              <a:rPr lang="en-US" sz="1400" dirty="0" err="1">
+                <a:solidFill>
+                  <a:schemeClr val="bg1"/>
+                </a:solidFill>
+              </a:rPr>
+              <a:t>Mnajoah</a:t>
+            </a:r>
+            <a:endParaRPr lang="en-US" sz="1400" dirty="0">
+              <a:solidFill>
+                <a:schemeClr val="bg1"/>
+              </a:solidFill>
+            </a:endParaRPr>
+          </a:p>
+          <a:p>
+            <a:pPr lvl="0" algn="l" rtl="0">
+              <a:lnSpc>
+                <a:spcPct val="115000"/>
+              </a:lnSpc>
+              <a:spcBef>
+                <a:spcPts val="0"/>
+              </a:spcBef>
+              <a:spcAft>
+                <a:spcPts val="0"/>
+              </a:spcAft>
+              <a:buClr>
+                <a:schemeClr val="dk1"/>
+              </a:buClr>
+              <a:buSzPts val="1100"/>
+            </a:pPr>
+            <a:r>
+              <a:rPr lang="en-US" sz="1400" dirty="0">
+                <a:solidFill>
+                  <a:schemeClr val="bg1"/>
+                </a:solidFill>
+              </a:rPr>
+              <a:t> My superpower is unlocking insights from data. With a strong foundation in data analysis, I've developed skills in using Excel, Power BI, and Tableau to extract meaningful patterns and trends. Currently, in my second year of studying data science, I'm expanding my toolkit with programming languages like Python and R, and exploring machine learning and statistical modeling techniques. I'm passionate about leveraging data-driven insights to solve real-world problems and drive business growth</a:t>
+            </a:r>
+          </a:p>
+          <a:p>
+            <a:pPr marL="285750" lvl="0" indent="-285750" algn="l" rtl="0">
+              <a:lnSpc>
+                <a:spcPct val="115000"/>
+              </a:lnSpc>
+              <a:spcBef>
+                <a:spcPts val="0"/>
+              </a:spcBef>
+              <a:spcAft>
+                <a:spcPts val="0"/>
+              </a:spcAft>
+              <a:buClr>
+                <a:schemeClr val="dk1"/>
+              </a:buClr>
+              <a:buSzPts val="1100"/>
+              <a:buFontTx/>
+              <a:buChar char="-"/>
+            </a:pPr>
+            <a:r>
+              <a:rPr lang="en-US" sz="1600" b="1" dirty="0">
+                <a:solidFill>
+                  <a:schemeClr val="bg1"/>
                 </a:solidFill>
                 <a:latin typeface="Calibri"/>
                 <a:ea typeface="Calibri"/>
                 <a:cs typeface="Calibri"/>
                 <a:sym typeface="Calibri"/>
               </a:rPr>
-              <a:t>Your Team, or simply About You</a:t>
+              <a:t>Soh David </a:t>
             </a:r>
-            <a:endParaRPr sz="4900" b="1" i="0" u="none" strike="noStrike" cap="none">
+            <a:r>
+              <a:rPr lang="en-US" sz="1600" b="1" dirty="0" err="1">
+                <a:solidFill>
+                  <a:schemeClr val="bg1"/>
+                </a:solidFill>
+                <a:latin typeface="Calibri"/>
+                <a:ea typeface="Calibri"/>
+                <a:cs typeface="Calibri"/>
+                <a:sym typeface="Calibri"/>
+              </a:rPr>
+              <a:t>Fon</a:t>
+            </a:r>
+            <a:endParaRPr lang="en-US" sz="1600" b="1" dirty="0">
               <a:solidFill>
-                <a:srgbClr val="FFFFFF"/>
+                <a:schemeClr val="bg1"/>
+              </a:solidFill>
+              <a:latin typeface="Calibri"/>
+              <a:ea typeface="Calibri"/>
+              <a:cs typeface="Calibri"/>
+              <a:sym typeface="Calibri"/>
+            </a:endParaRPr>
+          </a:p>
+          <a:p>
+            <a:pPr lvl="0" algn="l" rtl="0">
+              <a:lnSpc>
+                <a:spcPct val="115000"/>
+              </a:lnSpc>
+              <a:spcBef>
+                <a:spcPts val="0"/>
+              </a:spcBef>
+              <a:spcAft>
+                <a:spcPts val="0"/>
+              </a:spcAft>
+              <a:buClr>
+                <a:schemeClr val="dk1"/>
+              </a:buClr>
+              <a:buSzPts val="1100"/>
+            </a:pPr>
+            <a:r>
+              <a:rPr lang="en-US" sz="1600" b="1" i="0" u="none" strike="noStrike" cap="none" dirty="0">
+                <a:solidFill>
+                  <a:schemeClr val="bg1"/>
+                </a:solidFill>
+                <a:latin typeface="Calibri"/>
+                <a:ea typeface="Calibri"/>
+                <a:cs typeface="Calibri"/>
+                <a:sym typeface="Calibri"/>
+              </a:rPr>
+              <a:t> </a:t>
+            </a:r>
+            <a:endParaRPr b="1" i="0" u="none" strike="noStrike" cap="none" dirty="0">
+              <a:solidFill>
+                <a:schemeClr val="bg1"/>
               </a:solidFill>
               <a:latin typeface="Calibri"/>
               <a:ea typeface="Calibri"/>
@@ -18436,249 +18575,6 @@
 </file>
 
 <file path=ppt/slides/slide26.xml><?xml version="1.0" encoding="utf-8"?>
-<p:sld xmlns:a="http://schemas.openxmlformats.org/drawingml/2006/main" xmlns:r="http://schemas.openxmlformats.org/officeDocument/2006/relationships" xmlns:p="http://schemas.openxmlformats.org/presentationml/2006/main">
-  <p:cSld>
-    <p:spTree>
-      <p:nvGrpSpPr>
-        <p:cNvPr id="1" name="Shape 148"/>
-        <p:cNvGrpSpPr/>
-        <p:nvPr/>
-      </p:nvGrpSpPr>
-      <p:grpSpPr>
-        <a:xfrm>
-          <a:off x="0" y="0"/>
-          <a:ext cx="0" cy="0"/>
-          <a:chOff x="0" y="0"/>
-          <a:chExt cx="0" cy="0"/>
-        </a:xfrm>
-      </p:grpSpPr>
-      <p:sp>
-        <p:nvSpPr>
-          <p:cNvPr id="149" name="Google Shape;149;p22"/>
-          <p:cNvSpPr txBox="1"/>
-          <p:nvPr/>
-        </p:nvSpPr>
-        <p:spPr>
-          <a:xfrm>
-            <a:off x="658312" y="613531"/>
-            <a:ext cx="4164300" cy="623217"/>
-          </a:xfrm>
-          <a:prstGeom prst="rect">
-            <a:avLst/>
-          </a:prstGeom>
-          <a:noFill/>
-          <a:ln>
-            <a:noFill/>
-          </a:ln>
-        </p:spPr>
-        <p:txBody>
-          <a:bodyPr spcFirstLastPara="1" wrap="square" lIns="68575" tIns="34275" rIns="68575" bIns="34275" anchor="t" anchorCtr="0">
-            <a:spAutoFit/>
-          </a:bodyPr>
-          <a:lstStyle/>
-          <a:p>
-            <a:pPr marL="0" marR="0" lvl="0" indent="0" algn="l" rtl="0">
-              <a:lnSpc>
-                <a:spcPct val="100000"/>
-              </a:lnSpc>
-              <a:spcBef>
-                <a:spcPts val="0"/>
-              </a:spcBef>
-              <a:spcAft>
-                <a:spcPts val="0"/>
-              </a:spcAft>
-              <a:buClr>
-                <a:srgbClr val="000000"/>
-              </a:buClr>
-              <a:buSzPts val="3600"/>
-              <a:buFont typeface="Arial"/>
-              <a:buNone/>
-            </a:pPr>
-            <a:r>
-              <a:rPr lang="en-US" sz="3600" b="1" i="0" u="none" strike="noStrike" cap="none" dirty="0">
-                <a:solidFill>
-                  <a:srgbClr val="42B6C5"/>
-                </a:solidFill>
-                <a:latin typeface="Amiko"/>
-                <a:ea typeface="Amiko"/>
-                <a:cs typeface="Amiko"/>
-                <a:sym typeface="Amiko"/>
-              </a:rPr>
-              <a:t>GROUP 2</a:t>
-            </a:r>
-            <a:endParaRPr sz="3600" b="1" i="0" u="none" strike="noStrike" cap="none" dirty="0">
-              <a:solidFill>
-                <a:srgbClr val="42B6C5"/>
-              </a:solidFill>
-              <a:latin typeface="Amiko"/>
-              <a:ea typeface="Amiko"/>
-              <a:cs typeface="Amiko"/>
-              <a:sym typeface="Amiko"/>
-            </a:endParaRPr>
-          </a:p>
-        </p:txBody>
-      </p:sp>
-      <p:sp>
-        <p:nvSpPr>
-          <p:cNvPr id="150" name="Google Shape;150;p22"/>
-          <p:cNvSpPr txBox="1"/>
-          <p:nvPr/>
-        </p:nvSpPr>
-        <p:spPr>
-          <a:xfrm>
-            <a:off x="578325" y="2112425"/>
-            <a:ext cx="6336600" cy="1793100"/>
-          </a:xfrm>
-          <a:prstGeom prst="rect">
-            <a:avLst/>
-          </a:prstGeom>
-          <a:noFill/>
-          <a:ln>
-            <a:noFill/>
-          </a:ln>
-        </p:spPr>
-        <p:txBody>
-          <a:bodyPr spcFirstLastPara="1" wrap="square" lIns="68575" tIns="34275" rIns="68575" bIns="34275" anchor="t" anchorCtr="0">
-            <a:spAutoFit/>
-          </a:bodyPr>
-          <a:lstStyle/>
-          <a:p>
-            <a:pPr marL="0" lvl="0" indent="0" algn="l" rtl="0">
-              <a:lnSpc>
-                <a:spcPct val="115000"/>
-              </a:lnSpc>
-              <a:spcBef>
-                <a:spcPts val="0"/>
-              </a:spcBef>
-              <a:spcAft>
-                <a:spcPts val="0"/>
-              </a:spcAft>
-              <a:buClr>
-                <a:schemeClr val="dk1"/>
-              </a:buClr>
-              <a:buSzPts val="1100"/>
-              <a:buFont typeface="Arial"/>
-              <a:buNone/>
-            </a:pPr>
-            <a:r>
-              <a:rPr lang="en-US" sz="1200">
-                <a:solidFill>
-                  <a:srgbClr val="42B6C5"/>
-                </a:solidFill>
-              </a:rPr>
-              <a:t>Here's how to craft your epic tech team about:</a:t>
-            </a:r>
-            <a:endParaRPr sz="1200">
-              <a:solidFill>
-                <a:srgbClr val="42B6C5"/>
-              </a:solidFill>
-            </a:endParaRPr>
-          </a:p>
-          <a:p>
-            <a:pPr marL="457200" lvl="0" indent="-304800" algn="l" rtl="0">
-              <a:lnSpc>
-                <a:spcPct val="115000"/>
-              </a:lnSpc>
-              <a:spcBef>
-                <a:spcPts val="1200"/>
-              </a:spcBef>
-              <a:spcAft>
-                <a:spcPts val="0"/>
-              </a:spcAft>
-              <a:buClr>
-                <a:srgbClr val="42B6C5"/>
-              </a:buClr>
-              <a:buSzPts val="1200"/>
-              <a:buAutoNum type="arabicPeriod"/>
-            </a:pPr>
-            <a:r>
-              <a:rPr lang="en-US" sz="1200" b="1">
-                <a:solidFill>
-                  <a:srgbClr val="42B6C5"/>
-                </a:solidFill>
-              </a:rPr>
-              <a:t>Forget "proficient in..."</a:t>
-            </a:r>
-            <a:r>
-              <a:rPr lang="en-US" sz="1200">
-                <a:solidFill>
-                  <a:srgbClr val="42B6C5"/>
-                </a:solidFill>
-              </a:rPr>
-              <a:t> Tell us your about each team member’s superpower! Are you a JavaScript Jedi, a CSS code crusader, a data detective with a knack for sniffing out insights?,or the best designer on the planet </a:t>
-            </a:r>
-            <a:endParaRPr sz="1200">
-              <a:solidFill>
-                <a:srgbClr val="42B6C5"/>
-              </a:solidFill>
-            </a:endParaRPr>
-          </a:p>
-          <a:p>
-            <a:pPr marL="0" lvl="0" indent="0" algn="l" rtl="0">
-              <a:lnSpc>
-                <a:spcPct val="115000"/>
-              </a:lnSpc>
-              <a:spcBef>
-                <a:spcPts val="1200"/>
-              </a:spcBef>
-              <a:spcAft>
-                <a:spcPts val="0"/>
-              </a:spcAft>
-              <a:buClr>
-                <a:schemeClr val="dk1"/>
-              </a:buClr>
-              <a:buSzPts val="1100"/>
-              <a:buFont typeface="Arial"/>
-              <a:buNone/>
-            </a:pPr>
-            <a:r>
-              <a:rPr lang="en-US" sz="1200">
-                <a:solidFill>
-                  <a:srgbClr val="42B6C5"/>
-                </a:solidFill>
-              </a:rPr>
-              <a:t>Show your fellow tech warriors the awesome (and slightly quirky) you!</a:t>
-            </a:r>
-            <a:endParaRPr sz="1200">
-              <a:solidFill>
-                <a:srgbClr val="42B6C5"/>
-              </a:solidFill>
-            </a:endParaRPr>
-          </a:p>
-          <a:p>
-            <a:pPr marL="0" lvl="0" indent="0" algn="l" rtl="0">
-              <a:lnSpc>
-                <a:spcPct val="115000"/>
-              </a:lnSpc>
-              <a:spcBef>
-                <a:spcPts val="1200"/>
-              </a:spcBef>
-              <a:spcAft>
-                <a:spcPts val="1200"/>
-              </a:spcAft>
-              <a:buNone/>
-            </a:pPr>
-            <a:endParaRPr sz="1300" b="1">
-              <a:solidFill>
-                <a:srgbClr val="42B6C5"/>
-              </a:solidFill>
-              <a:latin typeface="Calibri"/>
-              <a:ea typeface="Calibri"/>
-              <a:cs typeface="Calibri"/>
-              <a:sym typeface="Calibri"/>
-            </a:endParaRPr>
-          </a:p>
-        </p:txBody>
-      </p:sp>
-    </p:spTree>
-  </p:cSld>
-  <p:clrMapOvr>
-    <a:masterClrMapping/>
-  </p:clrMapOvr>
-</p:sld>
-</file>
-
-<file path=ppt/slides/slide27.xml><?xml version="1.0" encoding="utf-8"?>
 <p:sld xmlns:a="http://schemas.openxmlformats.org/drawingml/2006/main" xmlns:r="http://schemas.openxmlformats.org/officeDocument/2006/relationships" xmlns:p="http://schemas.openxmlformats.org/presentationml/2006/main">
   <p:cSld>
     <p:spTree>
@@ -18738,7 +18634,7 @@
               <a:buNone/>
             </a:pPr>
             <a:r>
-              <a:rPr lang="en-US" sz="3600" b="1">
+              <a:rPr lang="en-US" sz="3600" b="1" dirty="0">
                 <a:solidFill>
                   <a:srgbClr val="42B6C5"/>
                 </a:solidFill>
@@ -18747,9 +18643,9 @@
                 <a:cs typeface="Amiko"/>
                 <a:sym typeface="Amiko"/>
               </a:rPr>
-              <a:t>About Me</a:t>
+              <a:t>About us</a:t>
             </a:r>
-            <a:endParaRPr sz="3600" b="1" i="0" u="none" strike="noStrike" cap="none">
+            <a:endParaRPr sz="3600" b="1" i="0" u="none" strike="noStrike" cap="none" dirty="0">
               <a:solidFill>
                 <a:srgbClr val="42B6C5"/>
               </a:solidFill>
@@ -18770,7 +18666,7 @@
         <p:spPr>
           <a:xfrm>
             <a:off x="3427070" y="1348150"/>
-            <a:ext cx="4324200" cy="2007000"/>
+            <a:ext cx="4324200" cy="1508075"/>
           </a:xfrm>
           <a:prstGeom prst="rect">
             <a:avLst/>
@@ -18786,9 +18682,9 @@
           </a:bodyPr>
           <a:lstStyle/>
           <a:p>
-            <a:pPr marL="457200" lvl="0" indent="-304800" algn="l" rtl="0">
-              <a:lnSpc>
-                <a:spcPct val="115000"/>
+            <a:pPr marL="0" marR="0" lvl="0" indent="0" algn="l" rtl="0">
+              <a:lnSpc>
+                <a:spcPct val="100000"/>
               </a:lnSpc>
               <a:spcBef>
                 <a:spcPts val="300"/>
@@ -18797,122 +18693,73 @@
                 <a:spcPts val="0"/>
               </a:spcAft>
               <a:buClr>
-                <a:srgbClr val="42B6C5"/>
-              </a:buClr>
-              <a:buSzPts val="1200"/>
-              <a:buChar char="●"/>
+                <a:srgbClr val="000000"/>
+              </a:buClr>
+              <a:buSzPts val="1500"/>
+              <a:buFont typeface="Arial"/>
+              <a:buNone/>
             </a:pPr>
             <a:r>
-              <a:rPr lang="en-US" sz="1200" b="1">
+              <a:rPr lang="en-US" sz="1300" b="1" dirty="0">
                 <a:solidFill>
                   <a:srgbClr val="42B6C5"/>
                 </a:solidFill>
+                <a:latin typeface="Calibri"/>
+                <a:ea typeface="Calibri"/>
+                <a:cs typeface="Calibri"/>
+                <a:sym typeface="Calibri"/>
               </a:rPr>
-              <a:t>Image:</a:t>
+              <a:t>As data science intern and </a:t>
             </a:r>
             <a:r>
-              <a:rPr lang="en-US" sz="1200">
+              <a:rPr lang="en-US" sz="1300" b="1" dirty="0" err="1">
                 <a:solidFill>
                   <a:srgbClr val="42B6C5"/>
                 </a:solidFill>
+                <a:latin typeface="Calibri"/>
+                <a:ea typeface="Calibri"/>
+                <a:cs typeface="Calibri"/>
+                <a:sym typeface="Calibri"/>
               </a:rPr>
-              <a:t> A professional headshot of yourself (or an image representing your area of tech expertise)</a:t>
-            </a:r>
-            <a:endParaRPr sz="1200">
-              <a:solidFill>
-                <a:srgbClr val="42B6C5"/>
-              </a:solidFill>
-            </a:endParaRPr>
-          </a:p>
-          <a:p>
-            <a:pPr marL="457200" lvl="0" indent="-304800" algn="l" rtl="0">
-              <a:lnSpc>
-                <a:spcPct val="115000"/>
-              </a:lnSpc>
-              <a:spcBef>
-                <a:spcPts val="0"/>
-              </a:spcBef>
-              <a:spcAft>
-                <a:spcPts val="0"/>
-              </a:spcAft>
-              <a:buClr>
-                <a:srgbClr val="42B6C5"/>
-              </a:buClr>
-              <a:buSzPts val="1200"/>
-              <a:buChar char="●"/>
-            </a:pPr>
-            <a:r>
-              <a:rPr lang="en-US" sz="1200">
-                <a:solidFill>
-                  <a:srgbClr val="42B6C5"/>
-                </a:solidFill>
-              </a:rPr>
-              <a:t>(Warm welcome and smile) Hi everyone, and thank you for joining me today.  I'm [Your Name], and I'm thrilled to share my tech expertise with you in the context of my exciting project, [Project Name].</a:t>
-            </a:r>
-            <a:endParaRPr sz="1200">
-              <a:solidFill>
-                <a:srgbClr val="42B6C5"/>
-              </a:solidFill>
-            </a:endParaRPr>
-          </a:p>
-          <a:p>
-            <a:pPr marL="457200" lvl="0" indent="-304800" algn="l" rtl="0">
-              <a:lnSpc>
-                <a:spcPct val="115000"/>
-              </a:lnSpc>
-              <a:spcBef>
-                <a:spcPts val="0"/>
-              </a:spcBef>
-              <a:spcAft>
-                <a:spcPts val="0"/>
-              </a:spcAft>
-              <a:buClr>
-                <a:srgbClr val="42B6C5"/>
-              </a:buClr>
-              <a:buSzPts val="1200"/>
-              <a:buChar char="●"/>
-            </a:pPr>
-            <a:r>
-              <a:rPr lang="en-US" sz="1200" b="1">
-                <a:solidFill>
-                  <a:srgbClr val="42B6C5"/>
-                </a:solidFill>
-              </a:rPr>
-              <a:t>Image:</a:t>
+              <a:t>traniee</a:t>
             </a:r>
             <a:r>
-              <a:rPr lang="en-US" sz="1200">
+              <a:rPr lang="en-US" sz="1300" b="1" dirty="0">
                 <a:solidFill>
                   <a:srgbClr val="42B6C5"/>
                 </a:solidFill>
+                <a:latin typeface="Calibri"/>
+                <a:ea typeface="Calibri"/>
+                <a:cs typeface="Calibri"/>
+                <a:sym typeface="Calibri"/>
               </a:rPr>
-              <a:t> (Choose an image that represents your tech area - coding language logo, etc.)</a:t>
+              <a:t> at </a:t>
             </a:r>
-            <a:endParaRPr sz="1200">
-              <a:solidFill>
-                <a:srgbClr val="42B6C5"/>
-              </a:solidFill>
-            </a:endParaRPr>
-          </a:p>
-          <a:p>
-            <a:pPr marL="0" marR="0" lvl="0" indent="0" algn="l" rtl="0">
-              <a:lnSpc>
-                <a:spcPct val="100000"/>
-              </a:lnSpc>
-              <a:spcBef>
-                <a:spcPts val="300"/>
-              </a:spcBef>
-              <a:spcAft>
-                <a:spcPts val="0"/>
-              </a:spcAft>
-              <a:buClr>
-                <a:srgbClr val="000000"/>
-              </a:buClr>
-              <a:buSzPts val="1500"/>
-              <a:buFont typeface="Arial"/>
-              <a:buNone/>
-            </a:pPr>
-            <a:endParaRPr sz="1300" b="1">
+            <a:r>
+              <a:rPr lang="en-US" sz="1300" b="1" dirty="0" err="1">
+                <a:solidFill>
+                  <a:srgbClr val="42B6C5"/>
+                </a:solidFill>
+                <a:latin typeface="Calibri"/>
+                <a:ea typeface="Calibri"/>
+                <a:cs typeface="Calibri"/>
+                <a:sym typeface="Calibri"/>
+              </a:rPr>
+              <a:t>Traitz</a:t>
+            </a:r>
+            <a:r>
+              <a:rPr lang="en-US" sz="1300" b="1" dirty="0">
+                <a:solidFill>
+                  <a:srgbClr val="42B6C5"/>
+                </a:solidFill>
+                <a:latin typeface="Calibri"/>
+                <a:ea typeface="Calibri"/>
+                <a:cs typeface="Calibri"/>
+                <a:sym typeface="Calibri"/>
+              </a:rPr>
+              <a:t> Tech GO LTD, we've worked together on a project to analyze customer performance. We've studied the data, identified patterns, and come up with solutions to improve customer experience. We’ve successfully  presented our project on 'Customer Performance', sharing our findings and insights to help businesses make informed decisions</a:t>
+            </a:r>
+            <a:endParaRPr sz="1300" b="1" dirty="0">
               <a:solidFill>
                 <a:srgbClr val="42B6C5"/>
               </a:solidFill>
@@ -19100,6 +18947,36 @@
           </a:p>
         </p:txBody>
       </p:sp>
+      <p:pic>
+        <p:nvPicPr>
+          <p:cNvPr id="2" name="Picture 1">
+            <a:extLst>
+              <a:ext uri="{FF2B5EF4-FFF2-40B4-BE49-F238E27FC236}">
+                <a16:creationId xmlns:a16="http://schemas.microsoft.com/office/drawing/2014/main" id="{4623072B-1633-4FFF-A537-9A7CE2B40740}"/>
+              </a:ext>
+            </a:extLst>
+          </p:cNvPr>
+          <p:cNvPicPr>
+            <a:picLocks noChangeAspect="1"/>
+          </p:cNvPicPr>
+          <p:nvPr/>
+        </p:nvPicPr>
+        <p:blipFill>
+          <a:blip r:embed="rId3"/>
+          <a:stretch>
+            <a:fillRect/>
+          </a:stretch>
+        </p:blipFill>
+        <p:spPr>
+          <a:xfrm>
+            <a:off x="497250" y="1041579"/>
+            <a:ext cx="2331000" cy="2551955"/>
+          </a:xfrm>
+          <a:prstGeom prst="rect">
+            <a:avLst/>
+          </a:prstGeom>
+        </p:spPr>
+      </p:pic>
     </p:spTree>
   </p:cSld>
   <p:clrMapOvr>
@@ -19108,7 +18985,7 @@
 </p:sld>
 </file>
 
-<file path=ppt/slides/slide28.xml><?xml version="1.0" encoding="utf-8"?>
+<file path=ppt/slides/slide27.xml><?xml version="1.0" encoding="utf-8"?>
 <p:sld xmlns:a="http://schemas.openxmlformats.org/drawingml/2006/main" xmlns:r="http://schemas.openxmlformats.org/officeDocument/2006/relationships" xmlns:p="http://schemas.openxmlformats.org/presentationml/2006/main">
   <p:cSld>
     <p:spTree>
@@ -19326,7 +19203,7 @@
   <p:cSld>
     <p:spTree>
       <p:nvGrpSpPr>
-        <p:cNvPr id="1" name=""/>
+        <p:cNvPr id="1" name="Shape 121"/>
         <p:cNvGrpSpPr/>
         <p:nvPr/>
       </p:nvGrpSpPr>
@@ -19340,27 +19217,198 @@
       </p:grpSpPr>
       <p:sp>
         <p:nvSpPr>
-          <p:cNvPr id="3" name="Subtitle 2"/>
-          <p:cNvSpPr>
-            <a:spLocks noGrp="1"/>
-          </p:cNvSpPr>
-          <p:nvPr>
-            <p:ph type="subTitle" idx="1"/>
-          </p:nvPr>
+          <p:cNvPr id="122" name="Google Shape;122;p18"/>
+          <p:cNvSpPr/>
+          <p:nvPr/>
         </p:nvSpPr>
         <p:spPr>
           <a:xfrm>
-            <a:off x="1143000" y="714703"/>
-            <a:ext cx="6858000" cy="3228526"/>
+            <a:off x="0" y="0"/>
+            <a:ext cx="2811900" cy="5143500"/>
           </a:xfrm>
+          <a:prstGeom prst="rect">
+            <a:avLst/>
+          </a:prstGeom>
+          <a:solidFill>
+            <a:srgbClr val="42B6C5"/>
+          </a:solidFill>
+          <a:ln>
+            <a:noFill/>
+          </a:ln>
         </p:spPr>
         <p:txBody>
-          <a:bodyPr/>
+          <a:bodyPr spcFirstLastPara="1" wrap="square" lIns="68575" tIns="34275" rIns="68575" bIns="34275" anchor="ctr" anchorCtr="0">
+            <a:noAutofit/>
+          </a:bodyPr>
           <a:lstStyle/>
           <a:p>
+            <a:pPr marL="0" marR="0" lvl="0" indent="0" algn="ctr" rtl="0">
+              <a:lnSpc>
+                <a:spcPct val="100000"/>
+              </a:lnSpc>
+              <a:spcBef>
+                <a:spcPts val="0"/>
+              </a:spcBef>
+              <a:spcAft>
+                <a:spcPts val="0"/>
+              </a:spcAft>
+              <a:buClr>
+                <a:srgbClr val="000000"/>
+              </a:buClr>
+              <a:buSzPts val="1400"/>
+              <a:buFont typeface="Arial"/>
+              <a:buNone/>
+            </a:pPr>
+            <a:endParaRPr sz="1400" b="0" i="0" u="none" strike="noStrike" cap="none">
+              <a:solidFill>
+                <a:srgbClr val="42B6C5"/>
+              </a:solidFill>
+              <a:latin typeface="Calibri"/>
+              <a:ea typeface="Calibri"/>
+              <a:cs typeface="Calibri"/>
+              <a:sym typeface="Calibri"/>
+            </a:endParaRPr>
+          </a:p>
+        </p:txBody>
+      </p:sp>
+      <p:sp>
+        <p:nvSpPr>
+          <p:cNvPr id="123" name="Google Shape;123;p18"/>
+          <p:cNvSpPr txBox="1"/>
+          <p:nvPr/>
+        </p:nvSpPr>
+        <p:spPr>
+          <a:xfrm>
+            <a:off x="3427087" y="535859"/>
+            <a:ext cx="4892700" cy="623217"/>
+          </a:xfrm>
+          <a:prstGeom prst="rect">
+            <a:avLst/>
+          </a:prstGeom>
+          <a:noFill/>
+          <a:ln>
+            <a:noFill/>
+          </a:ln>
+        </p:spPr>
+        <p:txBody>
+          <a:bodyPr spcFirstLastPara="1" wrap="square" lIns="68575" tIns="34275" rIns="68575" bIns="34275" anchor="t" anchorCtr="0">
+            <a:spAutoFit/>
+          </a:bodyPr>
+          <a:lstStyle/>
+          <a:p>
+            <a:pPr marL="0" marR="0" lvl="0" indent="0" algn="l" rtl="0">
+              <a:lnSpc>
+                <a:spcPct val="100000"/>
+              </a:lnSpc>
+              <a:spcBef>
+                <a:spcPts val="0"/>
+              </a:spcBef>
+              <a:spcAft>
+                <a:spcPts val="0"/>
+              </a:spcAft>
+              <a:buNone/>
+            </a:pPr>
             <a:r>
-              <a:rPr lang="en-US" dirty="0"/>
-              <a:t>Declining customer satisfaction and loyalty are significant concerns for businesses, resulting in increased customer churn and negative performance  and developing targeted strategies to improve satisfaction, reduce churn , and increase loyalty are crucial for business success </a:t>
+              <a:rPr lang="en-US" sz="3600" b="1" dirty="0">
+                <a:solidFill>
+                  <a:srgbClr val="42B6C5"/>
+                </a:solidFill>
+                <a:latin typeface="Calibri"/>
+                <a:ea typeface="Calibri"/>
+                <a:cs typeface="Calibri"/>
+                <a:sym typeface="Calibri"/>
+              </a:rPr>
+              <a:t>2</a:t>
+            </a:r>
+            <a:r>
+              <a:rPr lang="en-US" sz="3600" b="1" i="0" u="none" strike="noStrike" cap="none" dirty="0">
+                <a:solidFill>
+                  <a:srgbClr val="42B6C5"/>
+                </a:solidFill>
+                <a:latin typeface="Calibri"/>
+                <a:ea typeface="Calibri"/>
+                <a:cs typeface="Calibri"/>
+                <a:sym typeface="Calibri"/>
+              </a:rPr>
+              <a:t>. </a:t>
+            </a:r>
+            <a:r>
+              <a:rPr lang="en-US" sz="3600" b="1" dirty="0">
+                <a:solidFill>
+                  <a:srgbClr val="42B6C5"/>
+                </a:solidFill>
+                <a:latin typeface="Calibri"/>
+                <a:ea typeface="Calibri"/>
+                <a:cs typeface="Calibri"/>
+                <a:sym typeface="Calibri"/>
+              </a:rPr>
+              <a:t>Problems</a:t>
+            </a:r>
+            <a:endParaRPr sz="3600" b="1" dirty="0">
+              <a:solidFill>
+                <a:srgbClr val="42B6C5"/>
+              </a:solidFill>
+              <a:latin typeface="Calibri"/>
+              <a:ea typeface="Calibri"/>
+              <a:cs typeface="Calibri"/>
+              <a:sym typeface="Calibri"/>
+            </a:endParaRPr>
+          </a:p>
+        </p:txBody>
+      </p:sp>
+      <p:sp>
+        <p:nvSpPr>
+          <p:cNvPr id="124" name="Google Shape;124;p18"/>
+          <p:cNvSpPr txBox="1"/>
+          <p:nvPr/>
+        </p:nvSpPr>
+        <p:spPr>
+          <a:xfrm>
+            <a:off x="3427087" y="1960059"/>
+            <a:ext cx="4324200" cy="1685046"/>
+          </a:xfrm>
+          <a:prstGeom prst="rect">
+            <a:avLst/>
+          </a:prstGeom>
+          <a:noFill/>
+          <a:ln>
+            <a:noFill/>
+          </a:ln>
+        </p:spPr>
+        <p:txBody>
+          <a:bodyPr spcFirstLastPara="1" wrap="square" lIns="68575" tIns="34275" rIns="68575" bIns="34275" anchor="t" anchorCtr="0">
+            <a:spAutoFit/>
+          </a:bodyPr>
+          <a:lstStyle/>
+          <a:p>
+            <a:pPr marL="457200" marR="0" lvl="0" indent="-323850" algn="l" rtl="0">
+              <a:lnSpc>
+                <a:spcPct val="100000"/>
+              </a:lnSpc>
+              <a:spcBef>
+                <a:spcPts val="0"/>
+              </a:spcBef>
+              <a:spcAft>
+                <a:spcPts val="0"/>
+              </a:spcAft>
+              <a:buClr>
+                <a:srgbClr val="42B6C5"/>
+              </a:buClr>
+              <a:buSzPts val="1500"/>
+              <a:buFont typeface="Calibri"/>
+              <a:buChar char="●"/>
+            </a:pPr>
+            <a:r>
+              <a:rPr lang="en-US" sz="1500" b="1" dirty="0">
+                <a:solidFill>
+                  <a:srgbClr val="42B6C5"/>
+                </a:solidFill>
+                <a:latin typeface="Calibri"/>
+                <a:ea typeface="Calibri"/>
+                <a:cs typeface="Calibri"/>
+                <a:sym typeface="Calibri"/>
+              </a:rPr>
+              <a:t>Declining customer satisfaction and loyalty are significant concerns for business resulting in increased customer churn and negative performance and developing targeted strategies to improve satisfaction, reduce churn, and increase loyalty are crucial for  business software    </a:t>
             </a:r>
           </a:p>
         </p:txBody>
@@ -19748,7 +19796,7 @@
               <a:buNone/>
             </a:pPr>
             <a:r>
-              <a:rPr lang="en-US" sz="3600" b="1" dirty="0">
+              <a:rPr lang="en-US" sz="3600" b="1" i="0" u="none" strike="noStrike" cap="none" dirty="0">
                 <a:solidFill>
                   <a:srgbClr val="42B6C5"/>
                 </a:solidFill>
@@ -19757,19 +19805,7 @@
                 <a:cs typeface="Calibri"/>
                 <a:sym typeface="Calibri"/>
               </a:rPr>
-              <a:t>2</a:t>
-            </a:r>
-            <a:r>
-              <a:rPr lang="en-US" sz="3600" b="1" i="0" u="none" strike="noStrike" cap="none" dirty="0">
-                <a:solidFill>
-                  <a:srgbClr val="42B6C5"/>
-                </a:solidFill>
-                <a:latin typeface="Calibri"/>
-                <a:ea typeface="Calibri"/>
-                <a:cs typeface="Calibri"/>
-                <a:sym typeface="Calibri"/>
-              </a:rPr>
-              <a:t>. Objective of analysis</a:t>
+              <a:t>5. Objective of analysis</a:t>
             </a:r>
             <a:endParaRPr sz="3600" b="1" dirty="0">
               <a:solidFill>
@@ -19850,6 +19886,11 @@
         </p:txBody>
       </p:sp>
     </p:spTree>
+    <p:extLst>
+      <p:ext uri="{BB962C8B-B14F-4D97-AF65-F5344CB8AC3E}">
+        <p14:creationId xmlns:p14="http://schemas.microsoft.com/office/powerpoint/2010/main" val="2308969673"/>
+      </p:ext>
+    </p:extLst>
   </p:cSld>
   <p:clrMapOvr>
     <a:masterClrMapping/>
@@ -19882,7 +19923,7 @@
         </p:nvSpPr>
         <p:spPr>
           <a:xfrm>
-            <a:off x="0" y="0"/>
+            <a:off x="14104" y="0"/>
             <a:ext cx="2811900" cy="5143500"/>
           </a:xfrm>
           <a:prstGeom prst="rect">
@@ -19977,7 +20018,7 @@
                 <a:cs typeface="Calibri"/>
                 <a:sym typeface="Calibri"/>
               </a:rPr>
-              <a:t>3. Data Overview</a:t>
+              <a:t>6. Data Overview</a:t>
             </a:r>
             <a:endParaRPr sz="3600" b="1" dirty="0">
               <a:solidFill>
@@ -20332,7 +20373,7 @@
         <p:spPr>
           <a:xfrm>
             <a:off x="830316" y="252248"/>
-            <a:ext cx="7935311" cy="1169551"/>
+            <a:ext cx="7935311" cy="1261884"/>
           </a:xfrm>
           <a:prstGeom prst="rect">
             <a:avLst/>
@@ -20346,8 +20387,12 @@
           <a:lstStyle/>
           <a:p>
             <a:r>
-              <a:rPr lang="en-US" dirty="0"/>
-              <a:t>DATA SET OVER VIEW</a:t>
+              <a:rPr lang="en-US" sz="2000" b="1" dirty="0">
+                <a:solidFill>
+                  <a:srgbClr val="00B0F0"/>
+                </a:solidFill>
+              </a:rPr>
+              <a:t>7.DATA SET OVER VIEW</a:t>
             </a:r>
           </a:p>
           <a:p>

--- a/Power point presentation.pptx
+++ b/Power point presentation.pptx
@@ -11,8 +11,8 @@
     <p:sldId id="257" r:id="rId2"/>
     <p:sldId id="259" r:id="rId3"/>
     <p:sldId id="261" r:id="rId4"/>
-    <p:sldId id="270" r:id="rId5"/>
-    <p:sldId id="271" r:id="rId6"/>
+    <p:sldId id="286" r:id="rId5"/>
+    <p:sldId id="287" r:id="rId6"/>
     <p:sldId id="285" r:id="rId7"/>
     <p:sldId id="268" r:id="rId8"/>
     <p:sldId id="272" r:id="rId9"/>
@@ -1013,6 +1013,250 @@
   <p:cSld>
     <p:spTree>
       <p:nvGrpSpPr>
+        <p:cNvPr id="1" name="Shape 125"/>
+        <p:cNvGrpSpPr/>
+        <p:nvPr/>
+      </p:nvGrpSpPr>
+      <p:grpSpPr>
+        <a:xfrm>
+          <a:off x="0" y="0"/>
+          <a:ext cx="0" cy="0"/>
+          <a:chOff x="0" y="0"/>
+          <a:chExt cx="0" cy="0"/>
+        </a:xfrm>
+      </p:grpSpPr>
+      <p:sp>
+        <p:nvSpPr>
+          <p:cNvPr id="126" name="Google Shape;126;g2c7a1e21898_0_9:notes"/>
+          <p:cNvSpPr txBox="1">
+            <a:spLocks noGrp="1"/>
+          </p:cNvSpPr>
+          <p:nvPr>
+            <p:ph type="body" idx="1"/>
+          </p:nvPr>
+        </p:nvSpPr>
+        <p:spPr>
+          <a:xfrm>
+            <a:off x="685800" y="4343400"/>
+            <a:ext cx="5486400" cy="4114800"/>
+          </a:xfrm>
+          <a:prstGeom prst="rect">
+            <a:avLst/>
+          </a:prstGeom>
+          <a:noFill/>
+          <a:ln>
+            <a:noFill/>
+          </a:ln>
+        </p:spPr>
+        <p:txBody>
+          <a:bodyPr spcFirstLastPara="1" wrap="square" lIns="91425" tIns="91425" rIns="91425" bIns="91425" anchor="t" anchorCtr="0">
+            <a:noAutofit/>
+          </a:bodyPr>
+          <a:lstStyle/>
+          <a:p>
+            <a:pPr marL="0" lvl="0" indent="0" algn="l" rtl="0">
+              <a:lnSpc>
+                <a:spcPct val="100000"/>
+              </a:lnSpc>
+              <a:spcBef>
+                <a:spcPts val="0"/>
+              </a:spcBef>
+              <a:spcAft>
+                <a:spcPts val="0"/>
+              </a:spcAft>
+              <a:buSzPts val="1100"/>
+              <a:buNone/>
+            </a:pPr>
+            <a:endParaRPr/>
+          </a:p>
+        </p:txBody>
+      </p:sp>
+      <p:sp>
+        <p:nvSpPr>
+          <p:cNvPr id="127" name="Google Shape;127;g2c7a1e21898_0_9:notes"/>
+          <p:cNvSpPr>
+            <a:spLocks noGrp="1" noRot="1" noChangeAspect="1"/>
+          </p:cNvSpPr>
+          <p:nvPr>
+            <p:ph type="sldImg" idx="2"/>
+          </p:nvPr>
+        </p:nvSpPr>
+        <p:spPr>
+          <a:xfrm>
+            <a:off x="381000" y="685800"/>
+            <a:ext cx="6096000" cy="3429000"/>
+          </a:xfrm>
+          <a:custGeom>
+            <a:avLst/>
+            <a:gdLst/>
+            <a:ahLst/>
+            <a:cxnLst/>
+            <a:rect l="l" t="t" r="r" b="b"/>
+            <a:pathLst>
+              <a:path w="120000" h="120000" extrusionOk="0">
+                <a:moveTo>
+                  <a:pt x="0" y="0"/>
+                </a:moveTo>
+                <a:lnTo>
+                  <a:pt x="120000" y="0"/>
+                </a:lnTo>
+                <a:lnTo>
+                  <a:pt x="120000" y="120000"/>
+                </a:lnTo>
+                <a:lnTo>
+                  <a:pt x="0" y="120000"/>
+                </a:lnTo>
+                <a:close/>
+              </a:path>
+            </a:pathLst>
+          </a:custGeom>
+          <a:noFill/>
+          <a:ln w="9525" cap="flat" cmpd="sng">
+            <a:solidFill>
+              <a:srgbClr val="000000"/>
+            </a:solidFill>
+            <a:prstDash val="solid"/>
+            <a:round/>
+            <a:headEnd type="none" w="sm" len="sm"/>
+            <a:tailEnd type="none" w="sm" len="sm"/>
+          </a:ln>
+        </p:spPr>
+      </p:sp>
+    </p:spTree>
+  </p:cSld>
+  <p:clrMapOvr>
+    <a:masterClrMapping/>
+  </p:clrMapOvr>
+</p:notes>
+</file>
+
+<file path=ppt/notesSlides/notesSlide11.xml><?xml version="1.0" encoding="utf-8"?>
+<p:notes xmlns:a="http://schemas.openxmlformats.org/drawingml/2006/main" xmlns:r="http://schemas.openxmlformats.org/officeDocument/2006/relationships" xmlns:p="http://schemas.openxmlformats.org/presentationml/2006/main" showMasterSp="0" showMasterPhAnim="0">
+  <p:cSld>
+    <p:spTree>
+      <p:nvGrpSpPr>
+        <p:cNvPr id="1" name="Shape 132"/>
+        <p:cNvGrpSpPr/>
+        <p:nvPr/>
+      </p:nvGrpSpPr>
+      <p:grpSpPr>
+        <a:xfrm>
+          <a:off x="0" y="0"/>
+          <a:ext cx="0" cy="0"/>
+          <a:chOff x="0" y="0"/>
+          <a:chExt cx="0" cy="0"/>
+        </a:xfrm>
+      </p:grpSpPr>
+      <p:sp>
+        <p:nvSpPr>
+          <p:cNvPr id="133" name="Google Shape;133;p6:notes"/>
+          <p:cNvSpPr txBox="1">
+            <a:spLocks noGrp="1"/>
+          </p:cNvSpPr>
+          <p:nvPr>
+            <p:ph type="body" idx="1"/>
+          </p:nvPr>
+        </p:nvSpPr>
+        <p:spPr>
+          <a:xfrm>
+            <a:off x="685800" y="4343400"/>
+            <a:ext cx="5486400" cy="4114800"/>
+          </a:xfrm>
+          <a:prstGeom prst="rect">
+            <a:avLst/>
+          </a:prstGeom>
+          <a:noFill/>
+          <a:ln>
+            <a:noFill/>
+          </a:ln>
+        </p:spPr>
+        <p:txBody>
+          <a:bodyPr spcFirstLastPara="1" wrap="square" lIns="91425" tIns="91425" rIns="91425" bIns="91425" anchor="t" anchorCtr="0">
+            <a:noAutofit/>
+          </a:bodyPr>
+          <a:lstStyle/>
+          <a:p>
+            <a:pPr marL="0" lvl="0" indent="0" algn="l" rtl="0">
+              <a:lnSpc>
+                <a:spcPct val="100000"/>
+              </a:lnSpc>
+              <a:spcBef>
+                <a:spcPts val="0"/>
+              </a:spcBef>
+              <a:spcAft>
+                <a:spcPts val="0"/>
+              </a:spcAft>
+              <a:buSzPts val="1100"/>
+              <a:buNone/>
+            </a:pPr>
+            <a:endParaRPr/>
+          </a:p>
+        </p:txBody>
+      </p:sp>
+      <p:sp>
+        <p:nvSpPr>
+          <p:cNvPr id="134" name="Google Shape;134;p6:notes"/>
+          <p:cNvSpPr>
+            <a:spLocks noGrp="1" noRot="1" noChangeAspect="1"/>
+          </p:cNvSpPr>
+          <p:nvPr>
+            <p:ph type="sldImg" idx="2"/>
+          </p:nvPr>
+        </p:nvSpPr>
+        <p:spPr>
+          <a:xfrm>
+            <a:off x="381000" y="685800"/>
+            <a:ext cx="6096000" cy="3429000"/>
+          </a:xfrm>
+          <a:custGeom>
+            <a:avLst/>
+            <a:gdLst/>
+            <a:ahLst/>
+            <a:cxnLst/>
+            <a:rect l="l" t="t" r="r" b="b"/>
+            <a:pathLst>
+              <a:path w="120000" h="120000" extrusionOk="0">
+                <a:moveTo>
+                  <a:pt x="0" y="0"/>
+                </a:moveTo>
+                <a:lnTo>
+                  <a:pt x="120000" y="0"/>
+                </a:lnTo>
+                <a:lnTo>
+                  <a:pt x="120000" y="120000"/>
+                </a:lnTo>
+                <a:lnTo>
+                  <a:pt x="0" y="120000"/>
+                </a:lnTo>
+                <a:close/>
+              </a:path>
+            </a:pathLst>
+          </a:custGeom>
+          <a:noFill/>
+          <a:ln w="9525" cap="flat" cmpd="sng">
+            <a:solidFill>
+              <a:srgbClr val="000000"/>
+            </a:solidFill>
+            <a:prstDash val="solid"/>
+            <a:round/>
+            <a:headEnd type="none" w="sm" len="sm"/>
+            <a:tailEnd type="none" w="sm" len="sm"/>
+          </a:ln>
+        </p:spPr>
+      </p:sp>
+    </p:spTree>
+  </p:cSld>
+  <p:clrMapOvr>
+    <a:masterClrMapping/>
+  </p:clrMapOvr>
+</p:notes>
+</file>
+
+<file path=ppt/notesSlides/notesSlide12.xml><?xml version="1.0" encoding="utf-8"?>
+<p:notes xmlns:a="http://schemas.openxmlformats.org/drawingml/2006/main" xmlns:r="http://schemas.openxmlformats.org/officeDocument/2006/relationships" xmlns:p="http://schemas.openxmlformats.org/presentationml/2006/main" showMasterSp="0" showMasterPhAnim="0">
+  <p:cSld>
+    <p:spTree>
+      <p:nvGrpSpPr>
         <p:cNvPr id="1" name="Shape 138"/>
         <p:cNvGrpSpPr/>
         <p:nvPr/>
@@ -1130,7 +1374,7 @@
 </p:notes>
 </file>
 
-<file path=ppt/notesSlides/notesSlide11.xml><?xml version="1.0" encoding="utf-8"?>
+<file path=ppt/notesSlides/notesSlide13.xml><?xml version="1.0" encoding="utf-8"?>
 <p:notes xmlns:a="http://schemas.openxmlformats.org/drawingml/2006/main" xmlns:r="http://schemas.openxmlformats.org/officeDocument/2006/relationships" xmlns:p="http://schemas.openxmlformats.org/presentationml/2006/main" showMasterSp="0" showMasterPhAnim="0">
   <p:cSld>
     <p:spTree>
@@ -1252,7 +1496,7 @@
 </p:notes>
 </file>
 
-<file path=ppt/notesSlides/notesSlide12.xml><?xml version="1.0" encoding="utf-8"?>
+<file path=ppt/notesSlides/notesSlide14.xml><?xml version="1.0" encoding="utf-8"?>
 <p:notes xmlns:a="http://schemas.openxmlformats.org/drawingml/2006/main" xmlns:r="http://schemas.openxmlformats.org/officeDocument/2006/relationships" xmlns:p="http://schemas.openxmlformats.org/presentationml/2006/main" showMasterSp="0" showMasterPhAnim="0">
   <p:cSld>
     <p:spTree>
@@ -1735,6 +1979,260 @@
     </p:spTree>
     <p:extLst>
       <p:ext uri="{BB962C8B-B14F-4D97-AF65-F5344CB8AC3E}">
+        <p14:creationId xmlns:p14="http://schemas.microsoft.com/office/powerpoint/2010/main" val="2584316695"/>
+      </p:ext>
+    </p:extLst>
+  </p:cSld>
+  <p:clrMapOvr>
+    <a:masterClrMapping/>
+  </p:clrMapOvr>
+</p:notes>
+</file>
+
+<file path=ppt/notesSlides/notesSlide5.xml><?xml version="1.0" encoding="utf-8"?>
+<p:notes xmlns:a="http://schemas.openxmlformats.org/drawingml/2006/main" xmlns:r="http://schemas.openxmlformats.org/officeDocument/2006/relationships" xmlns:p="http://schemas.openxmlformats.org/presentationml/2006/main" showMasterSp="0" showMasterPhAnim="0">
+  <p:cSld>
+    <p:spTree>
+      <p:nvGrpSpPr>
+        <p:cNvPr id="1" name="Shape 118"/>
+        <p:cNvGrpSpPr/>
+        <p:nvPr/>
+      </p:nvGrpSpPr>
+      <p:grpSpPr>
+        <a:xfrm>
+          <a:off x="0" y="0"/>
+          <a:ext cx="0" cy="0"/>
+          <a:chOff x="0" y="0"/>
+          <a:chExt cx="0" cy="0"/>
+        </a:xfrm>
+      </p:grpSpPr>
+      <p:sp>
+        <p:nvSpPr>
+          <p:cNvPr id="119" name="Google Shape;119;g2c7a1e21898_0_3:notes"/>
+          <p:cNvSpPr txBox="1">
+            <a:spLocks noGrp="1"/>
+          </p:cNvSpPr>
+          <p:nvPr>
+            <p:ph type="body" idx="1"/>
+          </p:nvPr>
+        </p:nvSpPr>
+        <p:spPr>
+          <a:xfrm>
+            <a:off x="685800" y="4343400"/>
+            <a:ext cx="5486400" cy="4114800"/>
+          </a:xfrm>
+          <a:prstGeom prst="rect">
+            <a:avLst/>
+          </a:prstGeom>
+          <a:noFill/>
+          <a:ln>
+            <a:noFill/>
+          </a:ln>
+        </p:spPr>
+        <p:txBody>
+          <a:bodyPr spcFirstLastPara="1" wrap="square" lIns="91425" tIns="91425" rIns="91425" bIns="91425" anchor="t" anchorCtr="0">
+            <a:noAutofit/>
+          </a:bodyPr>
+          <a:lstStyle/>
+          <a:p>
+            <a:pPr marL="0" lvl="0" indent="0" algn="l" rtl="0">
+              <a:lnSpc>
+                <a:spcPct val="100000"/>
+              </a:lnSpc>
+              <a:spcBef>
+                <a:spcPts val="0"/>
+              </a:spcBef>
+              <a:spcAft>
+                <a:spcPts val="0"/>
+              </a:spcAft>
+              <a:buSzPts val="1100"/>
+              <a:buNone/>
+            </a:pPr>
+            <a:endParaRPr/>
+          </a:p>
+        </p:txBody>
+      </p:sp>
+      <p:sp>
+        <p:nvSpPr>
+          <p:cNvPr id="120" name="Google Shape;120;g2c7a1e21898_0_3:notes"/>
+          <p:cNvSpPr>
+            <a:spLocks noGrp="1" noRot="1" noChangeAspect="1"/>
+          </p:cNvSpPr>
+          <p:nvPr>
+            <p:ph type="sldImg" idx="2"/>
+          </p:nvPr>
+        </p:nvSpPr>
+        <p:spPr>
+          <a:xfrm>
+            <a:off x="381000" y="685800"/>
+            <a:ext cx="6096000" cy="3429000"/>
+          </a:xfrm>
+          <a:custGeom>
+            <a:avLst/>
+            <a:gdLst/>
+            <a:ahLst/>
+            <a:cxnLst/>
+            <a:rect l="l" t="t" r="r" b="b"/>
+            <a:pathLst>
+              <a:path w="120000" h="120000" extrusionOk="0">
+                <a:moveTo>
+                  <a:pt x="0" y="0"/>
+                </a:moveTo>
+                <a:lnTo>
+                  <a:pt x="120000" y="0"/>
+                </a:lnTo>
+                <a:lnTo>
+                  <a:pt x="120000" y="120000"/>
+                </a:lnTo>
+                <a:lnTo>
+                  <a:pt x="0" y="120000"/>
+                </a:lnTo>
+                <a:close/>
+              </a:path>
+            </a:pathLst>
+          </a:custGeom>
+          <a:noFill/>
+          <a:ln w="9525" cap="flat" cmpd="sng">
+            <a:solidFill>
+              <a:srgbClr val="000000"/>
+            </a:solidFill>
+            <a:prstDash val="solid"/>
+            <a:round/>
+            <a:headEnd type="none" w="sm" len="sm"/>
+            <a:tailEnd type="none" w="sm" len="sm"/>
+          </a:ln>
+        </p:spPr>
+      </p:sp>
+    </p:spTree>
+    <p:extLst>
+      <p:ext uri="{BB962C8B-B14F-4D97-AF65-F5344CB8AC3E}">
+        <p14:creationId xmlns:p14="http://schemas.microsoft.com/office/powerpoint/2010/main" val="2731034128"/>
+      </p:ext>
+    </p:extLst>
+  </p:cSld>
+  <p:clrMapOvr>
+    <a:masterClrMapping/>
+  </p:clrMapOvr>
+</p:notes>
+</file>
+
+<file path=ppt/notesSlides/notesSlide6.xml><?xml version="1.0" encoding="utf-8"?>
+<p:notes xmlns:a="http://schemas.openxmlformats.org/drawingml/2006/main" xmlns:r="http://schemas.openxmlformats.org/officeDocument/2006/relationships" xmlns:p="http://schemas.openxmlformats.org/presentationml/2006/main" showMasterSp="0" showMasterPhAnim="0">
+  <p:cSld>
+    <p:spTree>
+      <p:nvGrpSpPr>
+        <p:cNvPr id="1" name="Shape 118"/>
+        <p:cNvGrpSpPr/>
+        <p:nvPr/>
+      </p:nvGrpSpPr>
+      <p:grpSpPr>
+        <a:xfrm>
+          <a:off x="0" y="0"/>
+          <a:ext cx="0" cy="0"/>
+          <a:chOff x="0" y="0"/>
+          <a:chExt cx="0" cy="0"/>
+        </a:xfrm>
+      </p:grpSpPr>
+      <p:sp>
+        <p:nvSpPr>
+          <p:cNvPr id="119" name="Google Shape;119;g2c7a1e21898_0_3:notes"/>
+          <p:cNvSpPr txBox="1">
+            <a:spLocks noGrp="1"/>
+          </p:cNvSpPr>
+          <p:nvPr>
+            <p:ph type="body" idx="1"/>
+          </p:nvPr>
+        </p:nvSpPr>
+        <p:spPr>
+          <a:xfrm>
+            <a:off x="685800" y="4343400"/>
+            <a:ext cx="5486400" cy="4114800"/>
+          </a:xfrm>
+          <a:prstGeom prst="rect">
+            <a:avLst/>
+          </a:prstGeom>
+          <a:noFill/>
+          <a:ln>
+            <a:noFill/>
+          </a:ln>
+        </p:spPr>
+        <p:txBody>
+          <a:bodyPr spcFirstLastPara="1" wrap="square" lIns="91425" tIns="91425" rIns="91425" bIns="91425" anchor="t" anchorCtr="0">
+            <a:noAutofit/>
+          </a:bodyPr>
+          <a:lstStyle/>
+          <a:p>
+            <a:pPr marL="0" lvl="0" indent="0" algn="l" rtl="0">
+              <a:lnSpc>
+                <a:spcPct val="100000"/>
+              </a:lnSpc>
+              <a:spcBef>
+                <a:spcPts val="0"/>
+              </a:spcBef>
+              <a:spcAft>
+                <a:spcPts val="0"/>
+              </a:spcAft>
+              <a:buSzPts val="1100"/>
+              <a:buNone/>
+            </a:pPr>
+            <a:endParaRPr/>
+          </a:p>
+        </p:txBody>
+      </p:sp>
+      <p:sp>
+        <p:nvSpPr>
+          <p:cNvPr id="120" name="Google Shape;120;g2c7a1e21898_0_3:notes"/>
+          <p:cNvSpPr>
+            <a:spLocks noGrp="1" noRot="1" noChangeAspect="1"/>
+          </p:cNvSpPr>
+          <p:nvPr>
+            <p:ph type="sldImg" idx="2"/>
+          </p:nvPr>
+        </p:nvSpPr>
+        <p:spPr>
+          <a:xfrm>
+            <a:off x="381000" y="685800"/>
+            <a:ext cx="6096000" cy="3429000"/>
+          </a:xfrm>
+          <a:custGeom>
+            <a:avLst/>
+            <a:gdLst/>
+            <a:ahLst/>
+            <a:cxnLst/>
+            <a:rect l="l" t="t" r="r" b="b"/>
+            <a:pathLst>
+              <a:path w="120000" h="120000" extrusionOk="0">
+                <a:moveTo>
+                  <a:pt x="0" y="0"/>
+                </a:moveTo>
+                <a:lnTo>
+                  <a:pt x="120000" y="0"/>
+                </a:lnTo>
+                <a:lnTo>
+                  <a:pt x="120000" y="120000"/>
+                </a:lnTo>
+                <a:lnTo>
+                  <a:pt x="0" y="120000"/>
+                </a:lnTo>
+                <a:close/>
+              </a:path>
+            </a:pathLst>
+          </a:custGeom>
+          <a:noFill/>
+          <a:ln w="9525" cap="flat" cmpd="sng">
+            <a:solidFill>
+              <a:srgbClr val="000000"/>
+            </a:solidFill>
+            <a:prstDash val="solid"/>
+            <a:round/>
+            <a:headEnd type="none" w="sm" len="sm"/>
+            <a:tailEnd type="none" w="sm" len="sm"/>
+          </a:ln>
+        </p:spPr>
+      </p:sp>
+    </p:spTree>
+    <p:extLst>
+      <p:ext uri="{BB962C8B-B14F-4D97-AF65-F5344CB8AC3E}">
         <p14:creationId xmlns:p14="http://schemas.microsoft.com/office/powerpoint/2010/main" val="1610894085"/>
       </p:ext>
     </p:extLst>
@@ -1745,7 +2243,7 @@
 </p:notes>
 </file>
 
-<file path=ppt/notesSlides/notesSlide5.xml><?xml version="1.0" encoding="utf-8"?>
+<file path=ppt/notesSlides/notesSlide7.xml><?xml version="1.0" encoding="utf-8"?>
 <p:notes xmlns:a="http://schemas.openxmlformats.org/drawingml/2006/main" xmlns:r="http://schemas.openxmlformats.org/officeDocument/2006/relationships" xmlns:p="http://schemas.openxmlformats.org/presentationml/2006/main" showMasterSp="0" showMasterPhAnim="0">
   <p:cSld>
     <p:spTree>
@@ -1872,7 +2370,7 @@
 </p:notes>
 </file>
 
-<file path=ppt/notesSlides/notesSlide6.xml><?xml version="1.0" encoding="utf-8"?>
+<file path=ppt/notesSlides/notesSlide8.xml><?xml version="1.0" encoding="utf-8"?>
 <p:notes xmlns:a="http://schemas.openxmlformats.org/drawingml/2006/main" xmlns:r="http://schemas.openxmlformats.org/officeDocument/2006/relationships" xmlns:p="http://schemas.openxmlformats.org/presentationml/2006/main" showMasterSp="0" showMasterPhAnim="0">
   <p:cSld>
     <p:spTree>
@@ -1994,7 +2492,7 @@
 </p:notes>
 </file>
 
-<file path=ppt/notesSlides/notesSlide7.xml><?xml version="1.0" encoding="utf-8"?>
+<file path=ppt/notesSlides/notesSlide9.xml><?xml version="1.0" encoding="utf-8"?>
 <p:notes xmlns:a="http://schemas.openxmlformats.org/drawingml/2006/main" xmlns:r="http://schemas.openxmlformats.org/officeDocument/2006/relationships" xmlns:p="http://schemas.openxmlformats.org/presentationml/2006/main" showMasterSp="0" showMasterPhAnim="0">
   <p:cSld>
     <p:spTree>
@@ -2060,250 +2558,6 @@
       <p:sp>
         <p:nvSpPr>
           <p:cNvPr id="99" name="Google Shape;99;p3:notes"/>
-          <p:cNvSpPr>
-            <a:spLocks noGrp="1" noRot="1" noChangeAspect="1"/>
-          </p:cNvSpPr>
-          <p:nvPr>
-            <p:ph type="sldImg" idx="2"/>
-          </p:nvPr>
-        </p:nvSpPr>
-        <p:spPr>
-          <a:xfrm>
-            <a:off x="381000" y="685800"/>
-            <a:ext cx="6096000" cy="3429000"/>
-          </a:xfrm>
-          <a:custGeom>
-            <a:avLst/>
-            <a:gdLst/>
-            <a:ahLst/>
-            <a:cxnLst/>
-            <a:rect l="l" t="t" r="r" b="b"/>
-            <a:pathLst>
-              <a:path w="120000" h="120000" extrusionOk="0">
-                <a:moveTo>
-                  <a:pt x="0" y="0"/>
-                </a:moveTo>
-                <a:lnTo>
-                  <a:pt x="120000" y="0"/>
-                </a:lnTo>
-                <a:lnTo>
-                  <a:pt x="120000" y="120000"/>
-                </a:lnTo>
-                <a:lnTo>
-                  <a:pt x="0" y="120000"/>
-                </a:lnTo>
-                <a:close/>
-              </a:path>
-            </a:pathLst>
-          </a:custGeom>
-          <a:noFill/>
-          <a:ln w="9525" cap="flat" cmpd="sng">
-            <a:solidFill>
-              <a:srgbClr val="000000"/>
-            </a:solidFill>
-            <a:prstDash val="solid"/>
-            <a:round/>
-            <a:headEnd type="none" w="sm" len="sm"/>
-            <a:tailEnd type="none" w="sm" len="sm"/>
-          </a:ln>
-        </p:spPr>
-      </p:sp>
-    </p:spTree>
-  </p:cSld>
-  <p:clrMapOvr>
-    <a:masterClrMapping/>
-  </p:clrMapOvr>
-</p:notes>
-</file>
-
-<file path=ppt/notesSlides/notesSlide8.xml><?xml version="1.0" encoding="utf-8"?>
-<p:notes xmlns:a="http://schemas.openxmlformats.org/drawingml/2006/main" xmlns:r="http://schemas.openxmlformats.org/officeDocument/2006/relationships" xmlns:p="http://schemas.openxmlformats.org/presentationml/2006/main" showMasterSp="0" showMasterPhAnim="0">
-  <p:cSld>
-    <p:spTree>
-      <p:nvGrpSpPr>
-        <p:cNvPr id="1" name="Shape 125"/>
-        <p:cNvGrpSpPr/>
-        <p:nvPr/>
-      </p:nvGrpSpPr>
-      <p:grpSpPr>
-        <a:xfrm>
-          <a:off x="0" y="0"/>
-          <a:ext cx="0" cy="0"/>
-          <a:chOff x="0" y="0"/>
-          <a:chExt cx="0" cy="0"/>
-        </a:xfrm>
-      </p:grpSpPr>
-      <p:sp>
-        <p:nvSpPr>
-          <p:cNvPr id="126" name="Google Shape;126;g2c7a1e21898_0_9:notes"/>
-          <p:cNvSpPr txBox="1">
-            <a:spLocks noGrp="1"/>
-          </p:cNvSpPr>
-          <p:nvPr>
-            <p:ph type="body" idx="1"/>
-          </p:nvPr>
-        </p:nvSpPr>
-        <p:spPr>
-          <a:xfrm>
-            <a:off x="685800" y="4343400"/>
-            <a:ext cx="5486400" cy="4114800"/>
-          </a:xfrm>
-          <a:prstGeom prst="rect">
-            <a:avLst/>
-          </a:prstGeom>
-          <a:noFill/>
-          <a:ln>
-            <a:noFill/>
-          </a:ln>
-        </p:spPr>
-        <p:txBody>
-          <a:bodyPr spcFirstLastPara="1" wrap="square" lIns="91425" tIns="91425" rIns="91425" bIns="91425" anchor="t" anchorCtr="0">
-            <a:noAutofit/>
-          </a:bodyPr>
-          <a:lstStyle/>
-          <a:p>
-            <a:pPr marL="0" lvl="0" indent="0" algn="l" rtl="0">
-              <a:lnSpc>
-                <a:spcPct val="100000"/>
-              </a:lnSpc>
-              <a:spcBef>
-                <a:spcPts val="0"/>
-              </a:spcBef>
-              <a:spcAft>
-                <a:spcPts val="0"/>
-              </a:spcAft>
-              <a:buSzPts val="1100"/>
-              <a:buNone/>
-            </a:pPr>
-            <a:endParaRPr/>
-          </a:p>
-        </p:txBody>
-      </p:sp>
-      <p:sp>
-        <p:nvSpPr>
-          <p:cNvPr id="127" name="Google Shape;127;g2c7a1e21898_0_9:notes"/>
-          <p:cNvSpPr>
-            <a:spLocks noGrp="1" noRot="1" noChangeAspect="1"/>
-          </p:cNvSpPr>
-          <p:nvPr>
-            <p:ph type="sldImg" idx="2"/>
-          </p:nvPr>
-        </p:nvSpPr>
-        <p:spPr>
-          <a:xfrm>
-            <a:off x="381000" y="685800"/>
-            <a:ext cx="6096000" cy="3429000"/>
-          </a:xfrm>
-          <a:custGeom>
-            <a:avLst/>
-            <a:gdLst/>
-            <a:ahLst/>
-            <a:cxnLst/>
-            <a:rect l="l" t="t" r="r" b="b"/>
-            <a:pathLst>
-              <a:path w="120000" h="120000" extrusionOk="0">
-                <a:moveTo>
-                  <a:pt x="0" y="0"/>
-                </a:moveTo>
-                <a:lnTo>
-                  <a:pt x="120000" y="0"/>
-                </a:lnTo>
-                <a:lnTo>
-                  <a:pt x="120000" y="120000"/>
-                </a:lnTo>
-                <a:lnTo>
-                  <a:pt x="0" y="120000"/>
-                </a:lnTo>
-                <a:close/>
-              </a:path>
-            </a:pathLst>
-          </a:custGeom>
-          <a:noFill/>
-          <a:ln w="9525" cap="flat" cmpd="sng">
-            <a:solidFill>
-              <a:srgbClr val="000000"/>
-            </a:solidFill>
-            <a:prstDash val="solid"/>
-            <a:round/>
-            <a:headEnd type="none" w="sm" len="sm"/>
-            <a:tailEnd type="none" w="sm" len="sm"/>
-          </a:ln>
-        </p:spPr>
-      </p:sp>
-    </p:spTree>
-  </p:cSld>
-  <p:clrMapOvr>
-    <a:masterClrMapping/>
-  </p:clrMapOvr>
-</p:notes>
-</file>
-
-<file path=ppt/notesSlides/notesSlide9.xml><?xml version="1.0" encoding="utf-8"?>
-<p:notes xmlns:a="http://schemas.openxmlformats.org/drawingml/2006/main" xmlns:r="http://schemas.openxmlformats.org/officeDocument/2006/relationships" xmlns:p="http://schemas.openxmlformats.org/presentationml/2006/main" showMasterSp="0" showMasterPhAnim="0">
-  <p:cSld>
-    <p:spTree>
-      <p:nvGrpSpPr>
-        <p:cNvPr id="1" name="Shape 132"/>
-        <p:cNvGrpSpPr/>
-        <p:nvPr/>
-      </p:nvGrpSpPr>
-      <p:grpSpPr>
-        <a:xfrm>
-          <a:off x="0" y="0"/>
-          <a:ext cx="0" cy="0"/>
-          <a:chOff x="0" y="0"/>
-          <a:chExt cx="0" cy="0"/>
-        </a:xfrm>
-      </p:grpSpPr>
-      <p:sp>
-        <p:nvSpPr>
-          <p:cNvPr id="133" name="Google Shape;133;p6:notes"/>
-          <p:cNvSpPr txBox="1">
-            <a:spLocks noGrp="1"/>
-          </p:cNvSpPr>
-          <p:nvPr>
-            <p:ph type="body" idx="1"/>
-          </p:nvPr>
-        </p:nvSpPr>
-        <p:spPr>
-          <a:xfrm>
-            <a:off x="685800" y="4343400"/>
-            <a:ext cx="5486400" cy="4114800"/>
-          </a:xfrm>
-          <a:prstGeom prst="rect">
-            <a:avLst/>
-          </a:prstGeom>
-          <a:noFill/>
-          <a:ln>
-            <a:noFill/>
-          </a:ln>
-        </p:spPr>
-        <p:txBody>
-          <a:bodyPr spcFirstLastPara="1" wrap="square" lIns="91425" tIns="91425" rIns="91425" bIns="91425" anchor="t" anchorCtr="0">
-            <a:noAutofit/>
-          </a:bodyPr>
-          <a:lstStyle/>
-          <a:p>
-            <a:pPr marL="0" lvl="0" indent="0" algn="l" rtl="0">
-              <a:lnSpc>
-                <a:spcPct val="100000"/>
-              </a:lnSpc>
-              <a:spcBef>
-                <a:spcPts val="0"/>
-              </a:spcBef>
-              <a:spcAft>
-                <a:spcPts val="0"/>
-              </a:spcAft>
-              <a:buSzPts val="1100"/>
-              <a:buNone/>
-            </a:pPr>
-            <a:endParaRPr/>
-          </a:p>
-        </p:txBody>
-      </p:sp>
-      <p:sp>
-        <p:nvSpPr>
-          <p:cNvPr id="134" name="Google Shape;134;p6:notes"/>
           <p:cNvSpPr>
             <a:spLocks noGrp="1" noRot="1" noChangeAspect="1"/>
           </p:cNvSpPr>
@@ -19365,7 +19619,7 @@
         <p:spPr>
           <a:xfrm>
             <a:off x="3427087" y="1960059"/>
-            <a:ext cx="4324200" cy="1685046"/>
+            <a:ext cx="4324200" cy="1223382"/>
           </a:xfrm>
           <a:prstGeom prst="rect">
             <a:avLst/>
@@ -19408,7 +19662,38 @@
                 <a:cs typeface="Calibri"/>
                 <a:sym typeface="Calibri"/>
               </a:rPr>
-              <a:t>Declining customer satisfaction and loyalty are significant concerns for business resulting in increased customer churn and negative performance and developing targeted strategies to improve satisfaction, reduce churn, and increase loyalty are crucial for  business software    </a:t>
+              <a:t>We faced difficulty in understanding or interpreting results difficulty in data visualization.</a:t>
+            </a:r>
+          </a:p>
+          <a:p>
+            <a:pPr marL="457200" marR="0" lvl="0" indent="-323850" algn="l" rtl="0">
+              <a:lnSpc>
+                <a:spcPct val="100000"/>
+              </a:lnSpc>
+              <a:spcBef>
+                <a:spcPts val="0"/>
+              </a:spcBef>
+              <a:spcAft>
+                <a:spcPts val="0"/>
+              </a:spcAft>
+              <a:buClr>
+                <a:srgbClr val="42B6C5"/>
+              </a:buClr>
+              <a:buSzPts val="1500"/>
+              <a:buFont typeface="Calibri"/>
+              <a:buChar char="●"/>
+            </a:pPr>
+            <a:r>
+              <a:rPr lang="en-US" sz="1500" b="1" dirty="0">
+                <a:solidFill>
+                  <a:srgbClr val="42B6C5"/>
+                </a:solidFill>
+                <a:latin typeface="Calibri"/>
+                <a:ea typeface="Calibri"/>
+                <a:cs typeface="Calibri"/>
+                <a:sym typeface="Calibri"/>
+              </a:rPr>
+              <a:t>We also faced difficulty in understanding the data.   </a:t>
             </a:r>
           </a:p>
         </p:txBody>
@@ -19426,7 +19711,7 @@
   <p:cSld>
     <p:spTree>
       <p:nvGrpSpPr>
-        <p:cNvPr id="1" name=""/>
+        <p:cNvPr id="1" name="Shape 121"/>
         <p:cNvGrpSpPr/>
         <p:nvPr/>
       </p:nvGrpSpPr>
@@ -19440,123 +19725,184 @@
       </p:grpSpPr>
       <p:sp>
         <p:nvSpPr>
-          <p:cNvPr id="3" name="Subtitle 2"/>
-          <p:cNvSpPr>
-            <a:spLocks noGrp="1"/>
-          </p:cNvSpPr>
-          <p:nvPr>
-            <p:ph type="subTitle" idx="1"/>
-          </p:nvPr>
+          <p:cNvPr id="122" name="Google Shape;122;p18"/>
+          <p:cNvSpPr/>
+          <p:nvPr/>
         </p:nvSpPr>
         <p:spPr>
           <a:xfrm>
-            <a:off x="197068" y="136634"/>
-            <a:ext cx="8526517" cy="746235"/>
+            <a:off x="0" y="0"/>
+            <a:ext cx="2811900" cy="5143500"/>
           </a:xfrm>
+          <a:prstGeom prst="rect">
+            <a:avLst/>
+          </a:prstGeom>
+          <a:solidFill>
+            <a:srgbClr val="42B6C5"/>
+          </a:solidFill>
+          <a:ln>
+            <a:noFill/>
+          </a:ln>
         </p:spPr>
         <p:txBody>
-          <a:bodyPr/>
+          <a:bodyPr spcFirstLastPara="1" wrap="square" lIns="68575" tIns="34275" rIns="68575" bIns="34275" anchor="ctr" anchorCtr="0">
+            <a:noAutofit/>
+          </a:bodyPr>
           <a:lstStyle/>
           <a:p>
-            <a:r>
-              <a:rPr lang="en-US" dirty="0"/>
-              <a:t>Why this problem?</a:t>
-            </a:r>
+            <a:pPr marL="0" marR="0" lvl="0" indent="0" algn="ctr" rtl="0">
+              <a:lnSpc>
+                <a:spcPct val="100000"/>
+              </a:lnSpc>
+              <a:spcBef>
+                <a:spcPts val="0"/>
+              </a:spcBef>
+              <a:spcAft>
+                <a:spcPts val="0"/>
+              </a:spcAft>
+              <a:buClr>
+                <a:srgbClr val="000000"/>
+              </a:buClr>
+              <a:buSzPts val="1400"/>
+              <a:buFont typeface="Arial"/>
+              <a:buNone/>
+            </a:pPr>
+            <a:endParaRPr sz="1400" b="0" i="0" u="none" strike="noStrike" cap="none">
+              <a:solidFill>
+                <a:srgbClr val="42B6C5"/>
+              </a:solidFill>
+              <a:latin typeface="Calibri"/>
+              <a:ea typeface="Calibri"/>
+              <a:cs typeface="Calibri"/>
+              <a:sym typeface="Calibri"/>
+            </a:endParaRPr>
           </a:p>
         </p:txBody>
       </p:sp>
       <p:sp>
         <p:nvSpPr>
-          <p:cNvPr id="4" name="TextBox 3"/>
+          <p:cNvPr id="123" name="Google Shape;123;p18"/>
           <p:cNvSpPr txBox="1"/>
           <p:nvPr/>
         </p:nvSpPr>
         <p:spPr>
           <a:xfrm>
-            <a:off x="651641" y="914400"/>
-            <a:ext cx="8229600" cy="1815882"/>
+            <a:off x="3427087" y="535859"/>
+            <a:ext cx="4892700" cy="623217"/>
           </a:xfrm>
           <a:prstGeom prst="rect">
             <a:avLst/>
           </a:prstGeom>
           <a:noFill/>
+          <a:ln>
+            <a:noFill/>
+          </a:ln>
         </p:spPr>
         <p:txBody>
-          <a:bodyPr wrap="square" rtlCol="0">
+          <a:bodyPr spcFirstLastPara="1" wrap="square" lIns="68575" tIns="34275" rIns="68575" bIns="34275" anchor="t" anchorCtr="0">
             <a:spAutoFit/>
           </a:bodyPr>
           <a:lstStyle/>
           <a:p>
-            <a:pPr marL="342900" indent="-342900">
-              <a:buAutoNum type="arabicPeriod"/>
+            <a:pPr marL="0" marR="0" lvl="0" indent="0" algn="l" rtl="0">
+              <a:lnSpc>
+                <a:spcPct val="100000"/>
+              </a:lnSpc>
+              <a:spcBef>
+                <a:spcPts val="0"/>
+              </a:spcBef>
+              <a:spcAft>
+                <a:spcPts val="0"/>
+              </a:spcAft>
+              <a:buNone/>
             </a:pPr>
             <a:r>
-              <a:rPr lang="en-US" dirty="0"/>
-              <a:t>Revenue impact: customer churn can result in significant revenue </a:t>
+              <a:rPr lang="en-US" sz="3600" b="1" dirty="0">
+                <a:solidFill>
+                  <a:srgbClr val="42B6C5"/>
+                </a:solidFill>
+                <a:latin typeface="Calibri"/>
+                <a:ea typeface="Calibri"/>
+                <a:cs typeface="Calibri"/>
+                <a:sym typeface="Calibri"/>
+              </a:rPr>
+              <a:t>3. Why this problem</a:t>
             </a:r>
-            <a:r>
-              <a:rPr lang="en-US" dirty="0" err="1"/>
-              <a:t>lossess</a:t>
-            </a:r>
-            <a:r>
-              <a:rPr lang="en-US" dirty="0"/>
-              <a:t>, impacting business growth and profitability</a:t>
-            </a:r>
+            <a:endParaRPr sz="3600" b="1" dirty="0">
+              <a:solidFill>
+                <a:srgbClr val="42B6C5"/>
+              </a:solidFill>
+              <a:latin typeface="Calibri"/>
+              <a:ea typeface="Calibri"/>
+              <a:cs typeface="Calibri"/>
+              <a:sym typeface="Calibri"/>
+            </a:endParaRPr>
           </a:p>
+        </p:txBody>
+      </p:sp>
+      <p:sp>
+        <p:nvSpPr>
+          <p:cNvPr id="124" name="Google Shape;124;p18"/>
+          <p:cNvSpPr txBox="1"/>
+          <p:nvPr/>
+        </p:nvSpPr>
+        <p:spPr>
+          <a:xfrm>
+            <a:off x="3427087" y="1960059"/>
+            <a:ext cx="4324200" cy="992549"/>
+          </a:xfrm>
+          <a:prstGeom prst="rect">
+            <a:avLst/>
+          </a:prstGeom>
+          <a:noFill/>
+          <a:ln>
+            <a:noFill/>
+          </a:ln>
+        </p:spPr>
+        <p:txBody>
+          <a:bodyPr spcFirstLastPara="1" wrap="square" lIns="68575" tIns="34275" rIns="68575" bIns="34275" anchor="t" anchorCtr="0">
+            <a:spAutoFit/>
+          </a:bodyPr>
+          <a:lstStyle/>
           <a:p>
-            <a:pPr marL="342900" indent="-342900">
-              <a:buAutoNum type="arabicPeriod"/>
+            <a:pPr marL="457200" marR="0" lvl="0" indent="-323850" algn="l" rtl="0">
+              <a:lnSpc>
+                <a:spcPct val="100000"/>
+              </a:lnSpc>
+              <a:spcBef>
+                <a:spcPts val="0"/>
+              </a:spcBef>
+              <a:spcAft>
+                <a:spcPts val="0"/>
+              </a:spcAft>
+              <a:buClr>
+                <a:srgbClr val="42B6C5"/>
+              </a:buClr>
+              <a:buSzPts val="1500"/>
+              <a:buFont typeface="Calibri"/>
+              <a:buChar char="●"/>
             </a:pPr>
             <a:r>
-              <a:rPr lang="en-US" dirty="0"/>
-              <a:t>Competitive advantage: in todays competitive market, customer satisfaction are loyalty are key  differentiators that can set businesses apart</a:t>
-            </a:r>
-          </a:p>
-          <a:p>
-            <a:pPr marL="342900" indent="-342900">
-              <a:buAutoNum type="arabicPeriod"/>
-            </a:pPr>
-            <a:r>
-              <a:rPr lang="en-US" dirty="0"/>
-              <a:t>Growth and expansion: improving customer performance can provide more valuable insights for business grow and expansion, such as identifying new markets for </a:t>
-            </a:r>
-            <a:r>
-              <a:rPr lang="en-US" dirty="0" err="1"/>
-              <a:t>oppurtunities</a:t>
-            </a:r>
-            <a:r>
-              <a:rPr lang="en-US" dirty="0"/>
-              <a:t>.</a:t>
-            </a:r>
-          </a:p>
-          <a:p>
-            <a:pPr marL="342900" indent="-342900">
-              <a:buAutoNum type="arabicPeriod"/>
-            </a:pPr>
-            <a:r>
-              <a:rPr lang="en-US" dirty="0"/>
-              <a:t>Increased customer satisfaction: customers </a:t>
-            </a:r>
-            <a:r>
-              <a:rPr lang="en-US" dirty="0" err="1"/>
-              <a:t>satisactions</a:t>
-            </a:r>
-            <a:r>
-              <a:rPr lang="en-US" dirty="0"/>
-              <a:t> are rising, and </a:t>
-            </a:r>
-            <a:r>
-              <a:rPr lang="en-US" dirty="0" err="1"/>
-              <a:t>businwesses</a:t>
-            </a:r>
-            <a:r>
-              <a:rPr lang="en-US" dirty="0"/>
-              <a:t> must adapt to meet these expectations to remain competitive</a:t>
+              <a:rPr lang="en-US" sz="1500" b="1" dirty="0">
+                <a:solidFill>
+                  <a:srgbClr val="42B6C5"/>
+                </a:solidFill>
+                <a:latin typeface="Calibri"/>
+                <a:ea typeface="Calibri"/>
+                <a:cs typeface="Calibri"/>
+                <a:sym typeface="Calibri"/>
+              </a:rPr>
+              <a:t>These problems occurred because of incomplete and inaccurate data, which made it difficult to understand, visualize, and interpret the results. </a:t>
             </a:r>
           </a:p>
         </p:txBody>
       </p:sp>
     </p:spTree>
+    <p:extLst>
+      <p:ext uri="{BB962C8B-B14F-4D97-AF65-F5344CB8AC3E}">
+        <p14:creationId xmlns:p14="http://schemas.microsoft.com/office/powerpoint/2010/main" val="2200154023"/>
+      </p:ext>
+    </p:extLst>
   </p:cSld>
   <p:clrMapOvr>
     <a:masterClrMapping/>
@@ -19569,7 +19915,7 @@
   <p:cSld>
     <p:spTree>
       <p:nvGrpSpPr>
-        <p:cNvPr id="1" name=""/>
+        <p:cNvPr id="1" name="Shape 121"/>
         <p:cNvGrpSpPr/>
         <p:nvPr/>
       </p:nvGrpSpPr>
@@ -19583,101 +19929,291 @@
       </p:grpSpPr>
       <p:sp>
         <p:nvSpPr>
-          <p:cNvPr id="3" name="Subtitle 2"/>
-          <p:cNvSpPr>
-            <a:spLocks noGrp="1"/>
-          </p:cNvSpPr>
-          <p:nvPr>
-            <p:ph type="subTitle" idx="1"/>
-          </p:nvPr>
+          <p:cNvPr id="122" name="Google Shape;122;p18"/>
+          <p:cNvSpPr/>
+          <p:nvPr/>
         </p:nvSpPr>
         <p:spPr>
           <a:xfrm>
-            <a:off x="1143000" y="283779"/>
-            <a:ext cx="7338848" cy="388883"/>
+            <a:off x="0" y="0"/>
+            <a:ext cx="2811900" cy="5143500"/>
           </a:xfrm>
+          <a:prstGeom prst="rect">
+            <a:avLst/>
+          </a:prstGeom>
+          <a:solidFill>
+            <a:srgbClr val="42B6C5"/>
+          </a:solidFill>
+          <a:ln>
+            <a:noFill/>
+          </a:ln>
         </p:spPr>
         <p:txBody>
-          <a:bodyPr>
-            <a:normAutofit fontScale="92500" lnSpcReduction="10000"/>
+          <a:bodyPr spcFirstLastPara="1" wrap="square" lIns="68575" tIns="34275" rIns="68575" bIns="34275" anchor="ctr" anchorCtr="0">
+            <a:noAutofit/>
           </a:bodyPr>
           <a:lstStyle/>
           <a:p>
-            <a:r>
-              <a:rPr lang="en-US" dirty="0"/>
-              <a:t>SOLUTONS</a:t>
-            </a:r>
+            <a:pPr marL="0" marR="0" lvl="0" indent="0" algn="ctr" rtl="0">
+              <a:lnSpc>
+                <a:spcPct val="100000"/>
+              </a:lnSpc>
+              <a:spcBef>
+                <a:spcPts val="0"/>
+              </a:spcBef>
+              <a:spcAft>
+                <a:spcPts val="0"/>
+              </a:spcAft>
+              <a:buClr>
+                <a:srgbClr val="000000"/>
+              </a:buClr>
+              <a:buSzPts val="1400"/>
+              <a:buFont typeface="Arial"/>
+              <a:buNone/>
+            </a:pPr>
+            <a:endParaRPr sz="1400" b="0" i="0" u="none" strike="noStrike" cap="none">
+              <a:solidFill>
+                <a:srgbClr val="42B6C5"/>
+              </a:solidFill>
+              <a:latin typeface="Calibri"/>
+              <a:ea typeface="Calibri"/>
+              <a:cs typeface="Calibri"/>
+              <a:sym typeface="Calibri"/>
+            </a:endParaRPr>
           </a:p>
         </p:txBody>
       </p:sp>
       <p:sp>
         <p:nvSpPr>
-          <p:cNvPr id="4" name="TextBox 3"/>
+          <p:cNvPr id="123" name="Google Shape;123;p18"/>
           <p:cNvSpPr txBox="1"/>
           <p:nvPr/>
         </p:nvSpPr>
         <p:spPr>
           <a:xfrm>
-            <a:off x="809297" y="977462"/>
-            <a:ext cx="4529958" cy="2246769"/>
+            <a:off x="3427087" y="535859"/>
+            <a:ext cx="4892700" cy="623217"/>
           </a:xfrm>
           <a:prstGeom prst="rect">
             <a:avLst/>
           </a:prstGeom>
           <a:noFill/>
+          <a:ln>
+            <a:noFill/>
+          </a:ln>
         </p:spPr>
         <p:txBody>
-          <a:bodyPr wrap="square" rtlCol="0">
+          <a:bodyPr spcFirstLastPara="1" wrap="square" lIns="68575" tIns="34275" rIns="68575" bIns="34275" anchor="t" anchorCtr="0">
             <a:spAutoFit/>
           </a:bodyPr>
           <a:lstStyle/>
           <a:p>
-            <a:pPr marL="342900" indent="-342900">
-              <a:buAutoNum type="arabicPeriod"/>
+            <a:pPr marL="0" marR="0" lvl="0" indent="0" algn="l" rtl="0">
+              <a:lnSpc>
+                <a:spcPct val="100000"/>
+              </a:lnSpc>
+              <a:spcBef>
+                <a:spcPts val="0"/>
+              </a:spcBef>
+              <a:spcAft>
+                <a:spcPts val="0"/>
+              </a:spcAft>
+              <a:buNone/>
             </a:pPr>
             <a:r>
-              <a:rPr lang="en-US" dirty="0"/>
-              <a:t>DATA DRIVEN ANALYSIS: </a:t>
+              <a:rPr lang="en-US" sz="3600" b="1" dirty="0">
+                <a:solidFill>
+                  <a:srgbClr val="42B6C5"/>
+                </a:solidFill>
+                <a:latin typeface="Calibri"/>
+                <a:ea typeface="Calibri"/>
+                <a:cs typeface="Calibri"/>
+                <a:sym typeface="Calibri"/>
+              </a:rPr>
+              <a:t>4. Solution</a:t>
+            </a:r>
+            <a:endParaRPr sz="3600" b="1" dirty="0">
+              <a:solidFill>
+                <a:srgbClr val="42B6C5"/>
+              </a:solidFill>
+              <a:latin typeface="Calibri"/>
+              <a:ea typeface="Calibri"/>
+              <a:cs typeface="Calibri"/>
+              <a:sym typeface="Calibri"/>
+            </a:endParaRPr>
+          </a:p>
+        </p:txBody>
+      </p:sp>
+      <p:sp>
+        <p:nvSpPr>
+          <p:cNvPr id="124" name="Google Shape;124;p18"/>
+          <p:cNvSpPr txBox="1"/>
+          <p:nvPr/>
+        </p:nvSpPr>
+        <p:spPr>
+          <a:xfrm>
+            <a:off x="3427087" y="1960059"/>
+            <a:ext cx="4324200" cy="1223382"/>
+          </a:xfrm>
+          <a:prstGeom prst="rect">
+            <a:avLst/>
+          </a:prstGeom>
+          <a:noFill/>
+          <a:ln>
+            <a:noFill/>
+          </a:ln>
+        </p:spPr>
+        <p:txBody>
+          <a:bodyPr spcFirstLastPara="1" wrap="square" lIns="68575" tIns="34275" rIns="68575" bIns="34275" anchor="t" anchorCtr="0">
+            <a:spAutoFit/>
+          </a:bodyPr>
+          <a:lstStyle/>
+          <a:p>
+            <a:pPr marL="457200" marR="0" lvl="0" indent="-323850" algn="l" rtl="0">
+              <a:lnSpc>
+                <a:spcPct val="100000"/>
+              </a:lnSpc>
+              <a:spcBef>
+                <a:spcPts val="0"/>
+              </a:spcBef>
+              <a:spcAft>
+                <a:spcPts val="0"/>
+              </a:spcAft>
+              <a:buClr>
+                <a:srgbClr val="42B6C5"/>
+              </a:buClr>
+              <a:buSzPts val="1500"/>
+              <a:buFont typeface="Calibri"/>
+              <a:buChar char="●"/>
+            </a:pPr>
+            <a:r>
+              <a:rPr lang="en-US" sz="1500" b="1" dirty="0">
+                <a:solidFill>
+                  <a:srgbClr val="42B6C5"/>
+                </a:solidFill>
+                <a:latin typeface="Calibri"/>
+                <a:ea typeface="Calibri"/>
+                <a:cs typeface="Calibri"/>
+                <a:sym typeface="Calibri"/>
+              </a:rPr>
+              <a:t>We implemented some data cleaning, and organization</a:t>
             </a:r>
           </a:p>
           <a:p>
-            <a:pPr marL="342900" indent="-342900"/>
+            <a:pPr marL="457200" marR="0" lvl="0" indent="-323850" algn="l" rtl="0">
+              <a:lnSpc>
+                <a:spcPct val="100000"/>
+              </a:lnSpc>
+              <a:spcBef>
+                <a:spcPts val="0"/>
+              </a:spcBef>
+              <a:spcAft>
+                <a:spcPts val="0"/>
+              </a:spcAft>
+              <a:buClr>
+                <a:srgbClr val="42B6C5"/>
+              </a:buClr>
+              <a:buSzPts val="1500"/>
+              <a:buFont typeface="Calibri"/>
+              <a:buChar char="●"/>
+            </a:pPr>
             <a:r>
-              <a:rPr lang="en-US" dirty="0"/>
-              <a:t>-conduct customer feedback analysis: collect and analyze customer feed back from various sources(e.g. surveys, reviews, social media).</a:t>
+              <a:rPr lang="en-US" sz="1500" b="1" dirty="0">
+                <a:solidFill>
+                  <a:srgbClr val="42B6C5"/>
+                </a:solidFill>
+                <a:latin typeface="Calibri"/>
+                <a:ea typeface="Calibri"/>
+                <a:cs typeface="Calibri"/>
+                <a:sym typeface="Calibri"/>
+              </a:rPr>
+              <a:t>Quality checks </a:t>
+            </a:r>
+            <a:r>
+              <a:rPr lang="en-US" sz="1500" b="1" dirty="0" err="1">
+                <a:solidFill>
+                  <a:srgbClr val="42B6C5"/>
+                </a:solidFill>
+                <a:latin typeface="Calibri"/>
+                <a:ea typeface="Calibri"/>
+                <a:cs typeface="Calibri"/>
+                <a:sym typeface="Calibri"/>
+              </a:rPr>
+              <a:t>e.g</a:t>
+            </a:r>
+            <a:r>
+              <a:rPr lang="en-US" sz="1500" b="1" dirty="0">
+                <a:solidFill>
+                  <a:srgbClr val="42B6C5"/>
+                </a:solidFill>
+                <a:latin typeface="Calibri"/>
+                <a:ea typeface="Calibri"/>
+                <a:cs typeface="Calibri"/>
+                <a:sym typeface="Calibri"/>
+              </a:rPr>
+              <a:t> using (.</a:t>
+            </a:r>
+            <a:r>
+              <a:rPr lang="en-US" sz="1500" b="1" dirty="0" err="1">
+                <a:solidFill>
+                  <a:srgbClr val="42B6C5"/>
+                </a:solidFill>
+                <a:latin typeface="Calibri"/>
+                <a:ea typeface="Calibri"/>
+                <a:cs typeface="Calibri"/>
+                <a:sym typeface="Calibri"/>
+              </a:rPr>
+              <a:t>isnull</a:t>
+            </a:r>
+            <a:r>
+              <a:rPr lang="en-US" sz="1500" b="1" dirty="0">
+                <a:solidFill>
+                  <a:srgbClr val="42B6C5"/>
+                </a:solidFill>
+                <a:latin typeface="Calibri"/>
+                <a:ea typeface="Calibri"/>
+                <a:cs typeface="Calibri"/>
+                <a:sym typeface="Calibri"/>
+              </a:rPr>
+              <a:t>) to check empty cells in a dataset</a:t>
             </a:r>
           </a:p>
           <a:p>
-            <a:pPr marL="342900" indent="-342900">
-              <a:buFontTx/>
-              <a:buChar char="-"/>
+            <a:pPr marL="457200" marR="0" lvl="0" indent="-323850" algn="l" rtl="0">
+              <a:lnSpc>
+                <a:spcPct val="100000"/>
+              </a:lnSpc>
+              <a:spcBef>
+                <a:spcPts val="0"/>
+              </a:spcBef>
+              <a:spcAft>
+                <a:spcPts val="0"/>
+              </a:spcAft>
+              <a:buClr>
+                <a:srgbClr val="42B6C5"/>
+              </a:buClr>
+              <a:buSzPts val="1500"/>
+              <a:buFont typeface="Calibri"/>
+              <a:buChar char="●"/>
             </a:pPr>
-            <a:r>
-              <a:rPr lang="en-US" dirty="0"/>
-              <a:t>Identify key drivers of dissatisfaction: use statistical models and  machine learning algorithms to identify the primary drivers of customer dissatisfaction</a:t>
-            </a:r>
-          </a:p>
-          <a:p>
-            <a:pPr marL="342900" indent="-342900">
-              <a:buFontTx/>
-              <a:buChar char="-"/>
-            </a:pPr>
-            <a:r>
-              <a:rPr lang="en-US" dirty="0"/>
-              <a:t>Develop </a:t>
-            </a:r>
-            <a:r>
-              <a:rPr lang="en-US" dirty="0" err="1"/>
-              <a:t>Targetted</a:t>
-            </a:r>
-            <a:r>
-              <a:rPr lang="en-US" dirty="0"/>
-              <a:t>  improvement strategies to address the key drivers of dissatisfaction</a:t>
-            </a:r>
+            <a:endParaRPr lang="en-US" sz="1500" b="1" dirty="0">
+              <a:solidFill>
+                <a:srgbClr val="42B6C5"/>
+              </a:solidFill>
+              <a:latin typeface="Calibri"/>
+              <a:ea typeface="Calibri"/>
+              <a:cs typeface="Calibri"/>
+              <a:sym typeface="Calibri"/>
+            </a:endParaRPr>
           </a:p>
         </p:txBody>
       </p:sp>
     </p:spTree>
+    <p:extLst>
+      <p:ext uri="{BB962C8B-B14F-4D97-AF65-F5344CB8AC3E}">
+        <p14:creationId xmlns:p14="http://schemas.microsoft.com/office/powerpoint/2010/main" val="1953276203"/>
+      </p:ext>
+    </p:extLst>
   </p:cSld>
   <p:clrMapOvr>
     <a:masterClrMapping/>

--- a/Power point presentation.pptx
+++ b/Power point presentation.pptx
@@ -25,12 +25,12 @@
     <p:sldId id="275" r:id="rId16"/>
     <p:sldId id="276" r:id="rId17"/>
     <p:sldId id="278" r:id="rId18"/>
-    <p:sldId id="277" r:id="rId19"/>
-    <p:sldId id="280" r:id="rId20"/>
+    <p:sldId id="280" r:id="rId19"/>
+    <p:sldId id="277" r:id="rId20"/>
     <p:sldId id="281" r:id="rId21"/>
-    <p:sldId id="283" r:id="rId22"/>
-    <p:sldId id="282" r:id="rId23"/>
-    <p:sldId id="279" r:id="rId24"/>
+    <p:sldId id="279" r:id="rId22"/>
+    <p:sldId id="283" r:id="rId23"/>
+    <p:sldId id="288" r:id="rId24"/>
     <p:sldId id="284" r:id="rId25"/>
     <p:sldId id="264" r:id="rId26"/>
     <p:sldId id="266" r:id="rId27"/>
@@ -17280,6 +17280,252 @@
                 <a:cs typeface="Amiko"/>
                 <a:sym typeface="Amiko"/>
               </a:rPr>
+              <a:t>- Graph  satisfaction score by Region</a:t>
+            </a:r>
+            <a:endParaRPr sz="1500" b="1" dirty="0">
+              <a:solidFill>
+                <a:srgbClr val="42B6C5"/>
+              </a:solidFill>
+              <a:latin typeface="Amiko"/>
+              <a:ea typeface="Amiko"/>
+              <a:cs typeface="Amiko"/>
+              <a:sym typeface="Amiko"/>
+            </a:endParaRPr>
+          </a:p>
+        </p:txBody>
+      </p:sp>
+      <p:sp>
+        <p:nvSpPr>
+          <p:cNvPr id="6" name="TextBox 5"/>
+          <p:cNvSpPr txBox="1"/>
+          <p:nvPr/>
+        </p:nvSpPr>
+        <p:spPr>
+          <a:xfrm>
+            <a:off x="178675" y="3712029"/>
+            <a:ext cx="8628994" cy="1169551"/>
+          </a:xfrm>
+          <a:prstGeom prst="rect">
+            <a:avLst/>
+          </a:prstGeom>
+          <a:noFill/>
+        </p:spPr>
+        <p:txBody>
+          <a:bodyPr wrap="square" rtlCol="0">
+            <a:spAutoFit/>
+          </a:bodyPr>
+          <a:lstStyle/>
+          <a:p>
+            <a:r>
+              <a:rPr lang="en-US" dirty="0"/>
+              <a:t>Explanation: </a:t>
+            </a:r>
+            <a:r>
+              <a:rPr lang="en-US" b="0" dirty="0">
+                <a:solidFill>
+                  <a:schemeClr val="tx1"/>
+                </a:solidFill>
+                <a:effectLst/>
+                <a:latin typeface="Consolas" panose="020B0609020204030204" pitchFamily="49" charset="0"/>
+              </a:rPr>
+              <a:t>Bar chat shows which regions are unhappy or have lesser satisfaction score.</a:t>
+            </a:r>
+          </a:p>
+          <a:p>
+            <a:r>
+              <a:rPr lang="en-US" b="0" dirty="0">
+                <a:solidFill>
+                  <a:schemeClr val="tx1"/>
+                </a:solidFill>
+                <a:effectLst/>
+                <a:latin typeface="Consolas" panose="020B0609020204030204" pitchFamily="49" charset="0"/>
+              </a:rPr>
+              <a:t>This graph highlights how customer satisfaction differs by region.</a:t>
+            </a:r>
+            <a:r>
+              <a:rPr lang="en-US" dirty="0">
+                <a:solidFill>
+                  <a:schemeClr val="tx1"/>
+                </a:solidFill>
+                <a:latin typeface="Consolas" panose="020B0609020204030204" pitchFamily="49" charset="0"/>
+              </a:rPr>
+              <a:t> </a:t>
+            </a:r>
+            <a:r>
+              <a:rPr lang="en-US" b="0" dirty="0">
+                <a:solidFill>
+                  <a:schemeClr val="tx1"/>
+                </a:solidFill>
+                <a:effectLst/>
+                <a:latin typeface="Consolas" panose="020B0609020204030204" pitchFamily="49" charset="0"/>
+              </a:rPr>
+              <a:t>Europe has the highest satisfaction scores, while Africa has the lowest.</a:t>
+            </a:r>
+            <a:r>
+              <a:rPr lang="en-US" dirty="0">
+                <a:solidFill>
+                  <a:schemeClr val="tx1"/>
+                </a:solidFill>
+                <a:latin typeface="Consolas" panose="020B0609020204030204" pitchFamily="49" charset="0"/>
+              </a:rPr>
+              <a:t> </a:t>
+            </a:r>
+            <a:r>
+              <a:rPr lang="en-US" b="0" dirty="0">
+                <a:solidFill>
+                  <a:schemeClr val="tx1"/>
+                </a:solidFill>
+                <a:effectLst/>
+                <a:latin typeface="Consolas" panose="020B0609020204030204" pitchFamily="49" charset="0"/>
+              </a:rPr>
+              <a:t>This suggests that certain regions may require better customer service, improved products, or come up with marketing strategies to improve  satisfaction.</a:t>
+            </a:r>
+          </a:p>
+        </p:txBody>
+      </p:sp>
+      <p:pic>
+        <p:nvPicPr>
+          <p:cNvPr id="10242" name="Picture 2"/>
+          <p:cNvPicPr>
+            <a:picLocks noChangeAspect="1" noChangeArrowheads="1"/>
+          </p:cNvPicPr>
+          <p:nvPr/>
+        </p:nvPicPr>
+        <p:blipFill>
+          <a:blip r:embed="rId2"/>
+          <a:srcRect/>
+          <a:stretch>
+            <a:fillRect/>
+          </a:stretch>
+        </p:blipFill>
+        <p:spPr bwMode="auto">
+          <a:xfrm>
+            <a:off x="239913" y="500742"/>
+            <a:ext cx="8174744" cy="3211287"/>
+          </a:xfrm>
+          <a:prstGeom prst="rect">
+            <a:avLst/>
+          </a:prstGeom>
+          <a:noFill/>
+          <a:ln w="9525">
+            <a:noFill/>
+            <a:miter lim="800000"/>
+            <a:headEnd/>
+            <a:tailEnd/>
+          </a:ln>
+          <a:effectLst/>
+        </p:spPr>
+      </p:pic>
+      <p:pic>
+        <p:nvPicPr>
+          <p:cNvPr id="7" name="Picture 6">
+            <a:extLst>
+              <a:ext uri="{FF2B5EF4-FFF2-40B4-BE49-F238E27FC236}">
+                <a16:creationId xmlns:a16="http://schemas.microsoft.com/office/drawing/2014/main" id="{9D8F4B47-A4F5-4A09-845E-76133A36A702}"/>
+              </a:ext>
+            </a:extLst>
+          </p:cNvPr>
+          <p:cNvPicPr>
+            <a:picLocks noChangeAspect="1"/>
+          </p:cNvPicPr>
+          <p:nvPr/>
+        </p:nvPicPr>
+        <p:blipFill>
+          <a:blip r:embed="rId3"/>
+          <a:stretch>
+            <a:fillRect/>
+          </a:stretch>
+        </p:blipFill>
+        <p:spPr>
+          <a:xfrm>
+            <a:off x="239913" y="419348"/>
+            <a:ext cx="8174744" cy="3292682"/>
+          </a:xfrm>
+          <a:prstGeom prst="rect">
+            <a:avLst/>
+          </a:prstGeom>
+        </p:spPr>
+      </p:pic>
+    </p:spTree>
+    <p:extLst>
+      <p:ext uri="{BB962C8B-B14F-4D97-AF65-F5344CB8AC3E}">
+        <p14:creationId xmlns:p14="http://schemas.microsoft.com/office/powerpoint/2010/main" val="2702748777"/>
+      </p:ext>
+    </p:extLst>
+  </p:cSld>
+  <p:clrMapOvr>
+    <a:masterClrMapping/>
+  </p:clrMapOvr>
+</p:sld>
+</file>
+
+<file path=ppt/slides/slide19.xml><?xml version="1.0" encoding="utf-8"?>
+<p:sld xmlns:a="http://schemas.openxmlformats.org/drawingml/2006/main" xmlns:r="http://schemas.openxmlformats.org/officeDocument/2006/relationships" xmlns:p="http://schemas.openxmlformats.org/presentationml/2006/main">
+  <p:cSld>
+    <p:spTree>
+      <p:nvGrpSpPr>
+        <p:cNvPr id="1" name=""/>
+        <p:cNvGrpSpPr/>
+        <p:nvPr/>
+      </p:nvGrpSpPr>
+      <p:grpSpPr>
+        <a:xfrm>
+          <a:off x="0" y="0"/>
+          <a:ext cx="0" cy="0"/>
+          <a:chOff x="0" y="0"/>
+          <a:chExt cx="0" cy="0"/>
+        </a:xfrm>
+      </p:grpSpPr>
+      <p:sp>
+        <p:nvSpPr>
+          <p:cNvPr id="4" name="Google Shape;137;p20"/>
+          <p:cNvSpPr txBox="1"/>
+          <p:nvPr/>
+        </p:nvSpPr>
+        <p:spPr>
+          <a:xfrm>
+            <a:off x="132807" y="163270"/>
+            <a:ext cx="6488709" cy="300052"/>
+          </a:xfrm>
+          <a:prstGeom prst="rect">
+            <a:avLst/>
+          </a:prstGeom>
+          <a:noFill/>
+          <a:ln>
+            <a:noFill/>
+          </a:ln>
+        </p:spPr>
+        <p:txBody>
+          <a:bodyPr spcFirstLastPara="1" wrap="square" lIns="68575" tIns="34275" rIns="68575" bIns="34275" anchor="t" anchorCtr="0">
+            <a:spAutoFit/>
+          </a:bodyPr>
+          <a:lstStyle/>
+          <a:p>
+            <a:pPr marL="457200" marR="0" lvl="0" indent="-323850" algn="l" rtl="0">
+              <a:lnSpc>
+                <a:spcPct val="100000"/>
+              </a:lnSpc>
+              <a:spcBef>
+                <a:spcPts val="0"/>
+              </a:spcBef>
+              <a:spcAft>
+                <a:spcPts val="0"/>
+              </a:spcAft>
+              <a:buClr>
+                <a:srgbClr val="42B6C5"/>
+              </a:buClr>
+              <a:buSzPts val="1500"/>
+            </a:pPr>
+            <a:r>
+              <a:rPr lang="en-US" sz="1500" b="1" dirty="0">
+                <a:solidFill>
+                  <a:srgbClr val="42B6C5"/>
+                </a:solidFill>
+                <a:latin typeface="Amiko"/>
+                <a:ea typeface="Amiko"/>
+                <a:cs typeface="Amiko"/>
+                <a:sym typeface="Amiko"/>
+              </a:rPr>
               <a:t>- Graph of  satisfaction score by Age</a:t>
             </a:r>
             <a:endParaRPr sz="1500" b="1" dirty="0">
@@ -17387,252 +17633,6 @@
         </p:spPr>
       </p:pic>
     </p:spTree>
-  </p:cSld>
-  <p:clrMapOvr>
-    <a:masterClrMapping/>
-  </p:clrMapOvr>
-</p:sld>
-</file>
-
-<file path=ppt/slides/slide19.xml><?xml version="1.0" encoding="utf-8"?>
-<p:sld xmlns:a="http://schemas.openxmlformats.org/drawingml/2006/main" xmlns:r="http://schemas.openxmlformats.org/officeDocument/2006/relationships" xmlns:p="http://schemas.openxmlformats.org/presentationml/2006/main">
-  <p:cSld>
-    <p:spTree>
-      <p:nvGrpSpPr>
-        <p:cNvPr id="1" name=""/>
-        <p:cNvGrpSpPr/>
-        <p:nvPr/>
-      </p:nvGrpSpPr>
-      <p:grpSpPr>
-        <a:xfrm>
-          <a:off x="0" y="0"/>
-          <a:ext cx="0" cy="0"/>
-          <a:chOff x="0" y="0"/>
-          <a:chExt cx="0" cy="0"/>
-        </a:xfrm>
-      </p:grpSpPr>
-      <p:sp>
-        <p:nvSpPr>
-          <p:cNvPr id="4" name="Google Shape;137;p20"/>
-          <p:cNvSpPr txBox="1"/>
-          <p:nvPr/>
-        </p:nvSpPr>
-        <p:spPr>
-          <a:xfrm>
-            <a:off x="132807" y="163270"/>
-            <a:ext cx="6488709" cy="300052"/>
-          </a:xfrm>
-          <a:prstGeom prst="rect">
-            <a:avLst/>
-          </a:prstGeom>
-          <a:noFill/>
-          <a:ln>
-            <a:noFill/>
-          </a:ln>
-        </p:spPr>
-        <p:txBody>
-          <a:bodyPr spcFirstLastPara="1" wrap="square" lIns="68575" tIns="34275" rIns="68575" bIns="34275" anchor="t" anchorCtr="0">
-            <a:spAutoFit/>
-          </a:bodyPr>
-          <a:lstStyle/>
-          <a:p>
-            <a:pPr marL="457200" marR="0" lvl="0" indent="-323850" algn="l" rtl="0">
-              <a:lnSpc>
-                <a:spcPct val="100000"/>
-              </a:lnSpc>
-              <a:spcBef>
-                <a:spcPts val="0"/>
-              </a:spcBef>
-              <a:spcAft>
-                <a:spcPts val="0"/>
-              </a:spcAft>
-              <a:buClr>
-                <a:srgbClr val="42B6C5"/>
-              </a:buClr>
-              <a:buSzPts val="1500"/>
-            </a:pPr>
-            <a:r>
-              <a:rPr lang="en-US" sz="1500" b="1" dirty="0">
-                <a:solidFill>
-                  <a:srgbClr val="42B6C5"/>
-                </a:solidFill>
-                <a:latin typeface="Amiko"/>
-                <a:ea typeface="Amiko"/>
-                <a:cs typeface="Amiko"/>
-                <a:sym typeface="Amiko"/>
-              </a:rPr>
-              <a:t>- Graph  satisfaction score by Region</a:t>
-            </a:r>
-            <a:endParaRPr sz="1500" b="1" dirty="0">
-              <a:solidFill>
-                <a:srgbClr val="42B6C5"/>
-              </a:solidFill>
-              <a:latin typeface="Amiko"/>
-              <a:ea typeface="Amiko"/>
-              <a:cs typeface="Amiko"/>
-              <a:sym typeface="Amiko"/>
-            </a:endParaRPr>
-          </a:p>
-        </p:txBody>
-      </p:sp>
-      <p:sp>
-        <p:nvSpPr>
-          <p:cNvPr id="6" name="TextBox 5"/>
-          <p:cNvSpPr txBox="1"/>
-          <p:nvPr/>
-        </p:nvSpPr>
-        <p:spPr>
-          <a:xfrm>
-            <a:off x="178675" y="3712029"/>
-            <a:ext cx="8628994" cy="1169551"/>
-          </a:xfrm>
-          <a:prstGeom prst="rect">
-            <a:avLst/>
-          </a:prstGeom>
-          <a:noFill/>
-        </p:spPr>
-        <p:txBody>
-          <a:bodyPr wrap="square" rtlCol="0">
-            <a:spAutoFit/>
-          </a:bodyPr>
-          <a:lstStyle/>
-          <a:p>
-            <a:r>
-              <a:rPr lang="en-US" dirty="0"/>
-              <a:t>Explanation: </a:t>
-            </a:r>
-            <a:r>
-              <a:rPr lang="en-US" b="0" dirty="0">
-                <a:solidFill>
-                  <a:schemeClr val="tx1"/>
-                </a:solidFill>
-                <a:effectLst/>
-                <a:latin typeface="Consolas" panose="020B0609020204030204" pitchFamily="49" charset="0"/>
-              </a:rPr>
-              <a:t>Bar chat shows which regions are unhappy or have lesser satisfaction score.</a:t>
-            </a:r>
-          </a:p>
-          <a:p>
-            <a:r>
-              <a:rPr lang="en-US" b="0" dirty="0">
-                <a:solidFill>
-                  <a:schemeClr val="tx1"/>
-                </a:solidFill>
-                <a:effectLst/>
-                <a:latin typeface="Consolas" panose="020B0609020204030204" pitchFamily="49" charset="0"/>
-              </a:rPr>
-              <a:t>This graph highlights how customer satisfaction differs by region.</a:t>
-            </a:r>
-            <a:r>
-              <a:rPr lang="en-US" dirty="0">
-                <a:solidFill>
-                  <a:schemeClr val="tx1"/>
-                </a:solidFill>
-                <a:latin typeface="Consolas" panose="020B0609020204030204" pitchFamily="49" charset="0"/>
-              </a:rPr>
-              <a:t> </a:t>
-            </a:r>
-            <a:r>
-              <a:rPr lang="en-US" b="0" dirty="0">
-                <a:solidFill>
-                  <a:schemeClr val="tx1"/>
-                </a:solidFill>
-                <a:effectLst/>
-                <a:latin typeface="Consolas" panose="020B0609020204030204" pitchFamily="49" charset="0"/>
-              </a:rPr>
-              <a:t>Europe has the highest satisfaction scores, while Africa has the lowest.</a:t>
-            </a:r>
-            <a:r>
-              <a:rPr lang="en-US" dirty="0">
-                <a:solidFill>
-                  <a:schemeClr val="tx1"/>
-                </a:solidFill>
-                <a:latin typeface="Consolas" panose="020B0609020204030204" pitchFamily="49" charset="0"/>
-              </a:rPr>
-              <a:t> </a:t>
-            </a:r>
-            <a:r>
-              <a:rPr lang="en-US" b="0" dirty="0">
-                <a:solidFill>
-                  <a:schemeClr val="tx1"/>
-                </a:solidFill>
-                <a:effectLst/>
-                <a:latin typeface="Consolas" panose="020B0609020204030204" pitchFamily="49" charset="0"/>
-              </a:rPr>
-              <a:t>This suggests that certain regions may require better customer service, improved products, or come up with marketing strategies to improve  satisfaction.</a:t>
-            </a:r>
-          </a:p>
-        </p:txBody>
-      </p:sp>
-      <p:pic>
-        <p:nvPicPr>
-          <p:cNvPr id="10242" name="Picture 2"/>
-          <p:cNvPicPr>
-            <a:picLocks noChangeAspect="1" noChangeArrowheads="1"/>
-          </p:cNvPicPr>
-          <p:nvPr/>
-        </p:nvPicPr>
-        <p:blipFill>
-          <a:blip r:embed="rId2"/>
-          <a:srcRect/>
-          <a:stretch>
-            <a:fillRect/>
-          </a:stretch>
-        </p:blipFill>
-        <p:spPr bwMode="auto">
-          <a:xfrm>
-            <a:off x="239913" y="500742"/>
-            <a:ext cx="8174744" cy="3211287"/>
-          </a:xfrm>
-          <a:prstGeom prst="rect">
-            <a:avLst/>
-          </a:prstGeom>
-          <a:noFill/>
-          <a:ln w="9525">
-            <a:noFill/>
-            <a:miter lim="800000"/>
-            <a:headEnd/>
-            <a:tailEnd/>
-          </a:ln>
-          <a:effectLst/>
-        </p:spPr>
-      </p:pic>
-      <p:pic>
-        <p:nvPicPr>
-          <p:cNvPr id="7" name="Picture 6">
-            <a:extLst>
-              <a:ext uri="{FF2B5EF4-FFF2-40B4-BE49-F238E27FC236}">
-                <a16:creationId xmlns:a16="http://schemas.microsoft.com/office/drawing/2014/main" id="{9D8F4B47-A4F5-4A09-845E-76133A36A702}"/>
-              </a:ext>
-            </a:extLst>
-          </p:cNvPr>
-          <p:cNvPicPr>
-            <a:picLocks noChangeAspect="1"/>
-          </p:cNvPicPr>
-          <p:nvPr/>
-        </p:nvPicPr>
-        <p:blipFill>
-          <a:blip r:embed="rId3"/>
-          <a:stretch>
-            <a:fillRect/>
-          </a:stretch>
-        </p:blipFill>
-        <p:spPr>
-          <a:xfrm>
-            <a:off x="239913" y="419348"/>
-            <a:ext cx="8174744" cy="3292682"/>
-          </a:xfrm>
-          <a:prstGeom prst="rect">
-            <a:avLst/>
-          </a:prstGeom>
-        </p:spPr>
-      </p:pic>
-    </p:spTree>
-    <p:extLst>
-      <p:ext uri="{BB962C8B-B14F-4D97-AF65-F5344CB8AC3E}">
-        <p14:creationId xmlns:p14="http://schemas.microsoft.com/office/powerpoint/2010/main" val="2702748777"/>
-      </p:ext>
-    </p:extLst>
   </p:cSld>
   <p:clrMapOvr>
     <a:masterClrMapping/>
@@ -18070,6 +18070,91 @@
           <a:chExt cx="0" cy="0"/>
         </a:xfrm>
       </p:grpSpPr>
+      <p:pic>
+        <p:nvPicPr>
+          <p:cNvPr id="3" name="Picture 2">
+            <a:extLst>
+              <a:ext uri="{FF2B5EF4-FFF2-40B4-BE49-F238E27FC236}">
+                <a16:creationId xmlns:a16="http://schemas.microsoft.com/office/drawing/2014/main" id="{2D897B4E-A8FD-404E-8968-6F2C8EA21AB6}"/>
+              </a:ext>
+            </a:extLst>
+          </p:cNvPr>
+          <p:cNvPicPr>
+            <a:picLocks noChangeAspect="1"/>
+          </p:cNvPicPr>
+          <p:nvPr/>
+        </p:nvPicPr>
+        <p:blipFill>
+          <a:blip r:embed="rId2"/>
+          <a:stretch>
+            <a:fillRect/>
+          </a:stretch>
+        </p:blipFill>
+        <p:spPr>
+          <a:xfrm>
+            <a:off x="297625" y="75717"/>
+            <a:ext cx="8548750" cy="4094414"/>
+          </a:xfrm>
+          <a:prstGeom prst="rect">
+            <a:avLst/>
+          </a:prstGeom>
+        </p:spPr>
+      </p:pic>
+      <p:pic>
+        <p:nvPicPr>
+          <p:cNvPr id="4" name="Picture 3">
+            <a:extLst>
+              <a:ext uri="{FF2B5EF4-FFF2-40B4-BE49-F238E27FC236}">
+                <a16:creationId xmlns:a16="http://schemas.microsoft.com/office/drawing/2014/main" id="{690105EE-98A0-49F5-8705-0C11860AE24F}"/>
+              </a:ext>
+            </a:extLst>
+          </p:cNvPr>
+          <p:cNvPicPr>
+            <a:picLocks noChangeAspect="1"/>
+          </p:cNvPicPr>
+          <p:nvPr/>
+        </p:nvPicPr>
+        <p:blipFill>
+          <a:blip r:embed="rId3"/>
+          <a:stretch>
+            <a:fillRect/>
+          </a:stretch>
+        </p:blipFill>
+        <p:spPr>
+          <a:xfrm>
+            <a:off x="0" y="75717"/>
+            <a:ext cx="9144000" cy="4531229"/>
+          </a:xfrm>
+          <a:prstGeom prst="rect">
+            <a:avLst/>
+          </a:prstGeom>
+        </p:spPr>
+      </p:pic>
+    </p:spTree>
+  </p:cSld>
+  <p:clrMapOvr>
+    <a:masterClrMapping/>
+  </p:clrMapOvr>
+</p:sld>
+</file>
+
+<file path=ppt/slides/slide22.xml><?xml version="1.0" encoding="utf-8"?>
+<p:sld xmlns:a="http://schemas.openxmlformats.org/drawingml/2006/main" xmlns:r="http://schemas.openxmlformats.org/officeDocument/2006/relationships" xmlns:p="http://schemas.openxmlformats.org/presentationml/2006/main">
+  <p:cSld>
+    <p:spTree>
+      <p:nvGrpSpPr>
+        <p:cNvPr id="1" name=""/>
+        <p:cNvGrpSpPr/>
+        <p:nvPr/>
+      </p:nvGrpSpPr>
+      <p:grpSpPr>
+        <a:xfrm>
+          <a:off x="0" y="0"/>
+          <a:ext cx="0" cy="0"/>
+          <a:chOff x="0" y="0"/>
+          <a:chExt cx="0" cy="0"/>
+        </a:xfrm>
+      </p:grpSpPr>
       <p:sp>
         <p:nvSpPr>
           <p:cNvPr id="4" name="Google Shape;137;p20"/>
@@ -18143,7 +18228,7 @@
         <p:spPr>
           <a:xfrm>
             <a:off x="0" y="3563949"/>
-            <a:ext cx="9078814" cy="1815882"/>
+            <a:ext cx="9078814" cy="1600438"/>
           </a:xfrm>
           <a:prstGeom prst="rect">
             <a:avLst/>
@@ -18170,7 +18255,7 @@
           <a:p>
             <a:r>
               <a:rPr lang="en-US" dirty="0"/>
-              <a:t>1.Total_Spend and Purchases  have a moderate correlation with </a:t>
+              <a:t>1.Total_Spend and Purchases  have very weak negative correlation with </a:t>
             </a:r>
             <a:r>
               <a:rPr lang="en-US" dirty="0" err="1"/>
@@ -18178,19 +18263,19 @@
             </a:r>
             <a:r>
               <a:rPr lang="en-US" dirty="0"/>
-              <a:t>. This means that customers who spend more or make more purchases tend to have higher satisfaction.</a:t>
+              <a:t>. Indicating almost no linear relationship </a:t>
             </a:r>
           </a:p>
           <a:p>
             <a:r>
               <a:rPr lang="en-US" dirty="0"/>
-              <a:t>2.Repeat_Customer might also show some correlation, indicating that returning customers could be more satisfied than new ones.</a:t>
+              <a:t>2.Repeat_Customer might also show a very weak positive  correlation, indicating a minimal relationship </a:t>
             </a:r>
           </a:p>
           <a:p>
             <a:r>
               <a:rPr lang="en-US" dirty="0"/>
-              <a:t>3.Age and Region appear to have weaker correlations, meaning they have less direct impact on customer satisfaction. </a:t>
+              <a:t>3.Age and Region appear to have  very weak correlations, meaning they have little or no direct impact on customer satisfaction </a:t>
             </a:r>
           </a:p>
         </p:txBody>
@@ -18232,96 +18317,6 @@
     <p:extLst>
       <p:ext uri="{BB962C8B-B14F-4D97-AF65-F5344CB8AC3E}">
         <p14:creationId xmlns:p14="http://schemas.microsoft.com/office/powerpoint/2010/main" val="802924144"/>
-      </p:ext>
-    </p:extLst>
-  </p:cSld>
-  <p:clrMapOvr>
-    <a:masterClrMapping/>
-  </p:clrMapOvr>
-</p:sld>
-</file>
-
-<file path=ppt/slides/slide22.xml><?xml version="1.0" encoding="utf-8"?>
-<p:sld xmlns:a="http://schemas.openxmlformats.org/drawingml/2006/main" xmlns:r="http://schemas.openxmlformats.org/officeDocument/2006/relationships" xmlns:p="http://schemas.openxmlformats.org/presentationml/2006/main">
-  <p:cSld>
-    <p:spTree>
-      <p:nvGrpSpPr>
-        <p:cNvPr id="1" name=""/>
-        <p:cNvGrpSpPr/>
-        <p:nvPr/>
-      </p:nvGrpSpPr>
-      <p:grpSpPr>
-        <a:xfrm>
-          <a:off x="0" y="0"/>
-          <a:ext cx="0" cy="0"/>
-          <a:chOff x="0" y="0"/>
-          <a:chExt cx="0" cy="0"/>
-        </a:xfrm>
-      </p:grpSpPr>
-      <p:sp>
-        <p:nvSpPr>
-          <p:cNvPr id="6" name="TextBox 5"/>
-          <p:cNvSpPr txBox="1"/>
-          <p:nvPr/>
-        </p:nvSpPr>
-        <p:spPr>
-          <a:xfrm>
-            <a:off x="178675" y="3720661"/>
-            <a:ext cx="8628994" cy="307777"/>
-          </a:xfrm>
-          <a:prstGeom prst="rect">
-            <a:avLst/>
-          </a:prstGeom>
-          <a:noFill/>
-        </p:spPr>
-        <p:txBody>
-          <a:bodyPr wrap="square" rtlCol="0">
-            <a:spAutoFit/>
-          </a:bodyPr>
-          <a:lstStyle/>
-          <a:p>
-            <a:r>
-              <a:rPr lang="en-US"/>
-              <a:t>Explanation: A code to </a:t>
-            </a:r>
-            <a:endParaRPr lang="en-US" dirty="0"/>
-          </a:p>
-        </p:txBody>
-      </p:sp>
-      <p:pic>
-        <p:nvPicPr>
-          <p:cNvPr id="3" name="Picture 2">
-            <a:extLst>
-              <a:ext uri="{FF2B5EF4-FFF2-40B4-BE49-F238E27FC236}">
-                <a16:creationId xmlns:a16="http://schemas.microsoft.com/office/drawing/2014/main" id="{9B80BBE2-CFAB-49E9-947A-D48618CE22B3}"/>
-              </a:ext>
-            </a:extLst>
-          </p:cNvPr>
-          <p:cNvPicPr>
-            <a:picLocks noChangeAspect="1"/>
-          </p:cNvPicPr>
-          <p:nvPr/>
-        </p:nvPicPr>
-        <p:blipFill>
-          <a:blip r:embed="rId2"/>
-          <a:stretch>
-            <a:fillRect/>
-          </a:stretch>
-        </p:blipFill>
-        <p:spPr>
-          <a:xfrm>
-            <a:off x="493195" y="588244"/>
-            <a:ext cx="7377166" cy="2836387"/>
-          </a:xfrm>
-          <a:prstGeom prst="rect">
-            <a:avLst/>
-          </a:prstGeom>
-        </p:spPr>
-      </p:pic>
-    </p:spTree>
-    <p:extLst>
-      <p:ext uri="{BB962C8B-B14F-4D97-AF65-F5344CB8AC3E}">
-        <p14:creationId xmlns:p14="http://schemas.microsoft.com/office/powerpoint/2010/main" val="469694751"/>
       </p:ext>
     </p:extLst>
   </p:cSld>
@@ -18379,6 +18374,11 @@
         </p:spPr>
       </p:pic>
     </p:spTree>
+    <p:extLst>
+      <p:ext uri="{BB962C8B-B14F-4D97-AF65-F5344CB8AC3E}">
+        <p14:creationId xmlns:p14="http://schemas.microsoft.com/office/powerpoint/2010/main" val="856768942"/>
+      </p:ext>
+    </p:extLst>
   </p:cSld>
   <p:clrMapOvr>
     <a:masterClrMapping/>
